--- a/DSE_200X_FinalProject_Mariana.pptx
+++ b/DSE_200X_FinalProject_Mariana.pptx
@@ -5,7 +5,7 @@
     <p:sldMasterId id="2147483659" r:id="rId1"/>
   </p:sldMasterIdLst>
   <p:notesMasterIdLst>
-    <p:notesMasterId r:id="rId21"/>
+    <p:notesMasterId r:id="rId20"/>
   </p:notesMasterIdLst>
   <p:sldIdLst>
     <p:sldId id="256" r:id="rId2"/>
@@ -15,18 +15,17 @@
     <p:sldId id="260" r:id="rId6"/>
     <p:sldId id="261" r:id="rId7"/>
     <p:sldId id="262" r:id="rId8"/>
-    <p:sldId id="263" r:id="rId9"/>
-    <p:sldId id="268" r:id="rId10"/>
-    <p:sldId id="269" r:id="rId11"/>
-    <p:sldId id="270" r:id="rId12"/>
-    <p:sldId id="271" r:id="rId13"/>
-    <p:sldId id="272" r:id="rId14"/>
-    <p:sldId id="274" r:id="rId15"/>
-    <p:sldId id="273" r:id="rId16"/>
-    <p:sldId id="264" r:id="rId17"/>
-    <p:sldId id="265" r:id="rId18"/>
-    <p:sldId id="266" r:id="rId19"/>
-    <p:sldId id="267" r:id="rId20"/>
+    <p:sldId id="268" r:id="rId9"/>
+    <p:sldId id="269" r:id="rId10"/>
+    <p:sldId id="270" r:id="rId11"/>
+    <p:sldId id="271" r:id="rId12"/>
+    <p:sldId id="272" r:id="rId13"/>
+    <p:sldId id="274" r:id="rId14"/>
+    <p:sldId id="273" r:id="rId15"/>
+    <p:sldId id="264" r:id="rId16"/>
+    <p:sldId id="265" r:id="rId17"/>
+    <p:sldId id="266" r:id="rId18"/>
+    <p:sldId id="267" r:id="rId19"/>
   </p:sldIdLst>
   <p:sldSz cx="9144000" cy="5143500" type="screen16x9"/>
   <p:notesSz cx="6858000" cy="9144000"/>
@@ -922,7 +921,7 @@
     </p:spTree>
     <p:extLst>
       <p:ext uri="{BB962C8B-B14F-4D97-AF65-F5344CB8AC3E}">
-        <p14:creationId xmlns:p14="http://schemas.microsoft.com/office/powerpoint/2010/main" val="1406583562"/>
+        <p14:creationId xmlns:p14="http://schemas.microsoft.com/office/powerpoint/2010/main" val="4253021315"/>
       </p:ext>
     </p:extLst>
   </p:cSld>
@@ -1031,7 +1030,7 @@
     </p:spTree>
     <p:extLst>
       <p:ext uri="{BB962C8B-B14F-4D97-AF65-F5344CB8AC3E}">
-        <p14:creationId xmlns:p14="http://schemas.microsoft.com/office/powerpoint/2010/main" val="4253021315"/>
+        <p14:creationId xmlns:p14="http://schemas.microsoft.com/office/powerpoint/2010/main" val="3845450970"/>
       </p:ext>
     </p:extLst>
   </p:cSld>
@@ -1140,7 +1139,7 @@
     </p:spTree>
     <p:extLst>
       <p:ext uri="{BB962C8B-B14F-4D97-AF65-F5344CB8AC3E}">
-        <p14:creationId xmlns:p14="http://schemas.microsoft.com/office/powerpoint/2010/main" val="3845450970"/>
+        <p14:creationId xmlns:p14="http://schemas.microsoft.com/office/powerpoint/2010/main" val="813790800"/>
       </p:ext>
     </p:extLst>
   </p:cSld>
@@ -1249,7 +1248,7 @@
     </p:spTree>
     <p:extLst>
       <p:ext uri="{BB962C8B-B14F-4D97-AF65-F5344CB8AC3E}">
-        <p14:creationId xmlns:p14="http://schemas.microsoft.com/office/powerpoint/2010/main" val="813790800"/>
+        <p14:creationId xmlns:p14="http://schemas.microsoft.com/office/powerpoint/2010/main" val="522028570"/>
       </p:ext>
     </p:extLst>
   </p:cSld>
@@ -1358,7 +1357,7 @@
     </p:spTree>
     <p:extLst>
       <p:ext uri="{BB962C8B-B14F-4D97-AF65-F5344CB8AC3E}">
-        <p14:creationId xmlns:p14="http://schemas.microsoft.com/office/powerpoint/2010/main" val="522028570"/>
+        <p14:creationId xmlns:p14="http://schemas.microsoft.com/office/powerpoint/2010/main" val="3963647560"/>
       </p:ext>
     </p:extLst>
   </p:cSld>
@@ -1369,115 +1368,6 @@
 </file>
 
 <file path=ppt/notesSlides/notesSlide15.xml><?xml version="1.0" encoding="utf-8"?>
-<p:notes xmlns:a="http://schemas.openxmlformats.org/drawingml/2006/main" xmlns:r="http://schemas.openxmlformats.org/officeDocument/2006/relationships" xmlns:p="http://schemas.openxmlformats.org/presentationml/2006/main" showMasterSp="0" showMasterPhAnim="0">
-  <p:cSld>
-    <p:spTree>
-      <p:nvGrpSpPr>
-        <p:cNvPr id="1" name="Shape 75"/>
-        <p:cNvGrpSpPr/>
-        <p:nvPr/>
-      </p:nvGrpSpPr>
-      <p:grpSpPr>
-        <a:xfrm>
-          <a:off x="0" y="0"/>
-          <a:ext cx="0" cy="0"/>
-          <a:chOff x="0" y="0"/>
-          <a:chExt cx="0" cy="0"/>
-        </a:xfrm>
-      </p:grpSpPr>
-      <p:sp>
-        <p:nvSpPr>
-          <p:cNvPr id="76" name="Google Shape;76;g1e0c2d5179_0_35:notes"/>
-          <p:cNvSpPr>
-            <a:spLocks noGrp="1" noRot="1" noChangeAspect="1"/>
-          </p:cNvSpPr>
-          <p:nvPr>
-            <p:ph type="sldImg" idx="2"/>
-          </p:nvPr>
-        </p:nvSpPr>
-        <p:spPr>
-          <a:xfrm>
-            <a:off x="381000" y="685800"/>
-            <a:ext cx="6096000" cy="3429000"/>
-          </a:xfrm>
-          <a:custGeom>
-            <a:avLst/>
-            <a:gdLst/>
-            <a:ahLst/>
-            <a:cxnLst/>
-            <a:rect l="l" t="t" r="r" b="b"/>
-            <a:pathLst>
-              <a:path w="120000" h="120000" extrusionOk="0">
-                <a:moveTo>
-                  <a:pt x="0" y="0"/>
-                </a:moveTo>
-                <a:lnTo>
-                  <a:pt x="120000" y="0"/>
-                </a:lnTo>
-                <a:lnTo>
-                  <a:pt x="120000" y="120000"/>
-                </a:lnTo>
-                <a:lnTo>
-                  <a:pt x="0" y="120000"/>
-                </a:lnTo>
-                <a:close/>
-              </a:path>
-            </a:pathLst>
-          </a:custGeom>
-        </p:spPr>
-      </p:sp>
-      <p:sp>
-        <p:nvSpPr>
-          <p:cNvPr id="77" name="Google Shape;77;g1e0c2d5179_0_35:notes"/>
-          <p:cNvSpPr txBox="1">
-            <a:spLocks noGrp="1"/>
-          </p:cNvSpPr>
-          <p:nvPr>
-            <p:ph type="body" idx="1"/>
-          </p:nvPr>
-        </p:nvSpPr>
-        <p:spPr>
-          <a:xfrm>
-            <a:off x="685800" y="4343400"/>
-            <a:ext cx="5486400" cy="4114800"/>
-          </a:xfrm>
-          <a:prstGeom prst="rect">
-            <a:avLst/>
-          </a:prstGeom>
-        </p:spPr>
-        <p:txBody>
-          <a:bodyPr spcFirstLastPara="1" wrap="square" lIns="91425" tIns="91425" rIns="91425" bIns="91425" anchor="t" anchorCtr="0">
-            <a:noAutofit/>
-          </a:bodyPr>
-          <a:lstStyle/>
-          <a:p>
-            <a:pPr marL="0" lvl="0" indent="0" algn="l" rtl="0">
-              <a:spcBef>
-                <a:spcPts val="0"/>
-              </a:spcBef>
-              <a:spcAft>
-                <a:spcPts val="0"/>
-              </a:spcAft>
-              <a:buNone/>
-            </a:pPr>
-            <a:endParaRPr/>
-          </a:p>
-        </p:txBody>
-      </p:sp>
-    </p:spTree>
-    <p:extLst>
-      <p:ext uri="{BB962C8B-B14F-4D97-AF65-F5344CB8AC3E}">
-        <p14:creationId xmlns:p14="http://schemas.microsoft.com/office/powerpoint/2010/main" val="3963647560"/>
-      </p:ext>
-    </p:extLst>
-  </p:cSld>
-  <p:clrMapOvr>
-    <a:masterClrMapping/>
-  </p:clrMapOvr>
-</p:notes>
-</file>
-
-<file path=ppt/notesSlides/notesSlide16.xml><?xml version="1.0" encoding="utf-8"?>
 <p:notes xmlns:a="http://schemas.openxmlformats.org/drawingml/2006/main" xmlns:r="http://schemas.openxmlformats.org/officeDocument/2006/relationships" xmlns:p="http://schemas.openxmlformats.org/presentationml/2006/main" showMasterSp="0" showMasterPhAnim="0">
   <p:cSld>
     <p:spTree>
@@ -1581,7 +1471,7 @@
 </p:notes>
 </file>
 
-<file path=ppt/notesSlides/notesSlide17.xml><?xml version="1.0" encoding="utf-8"?>
+<file path=ppt/notesSlides/notesSlide16.xml><?xml version="1.0" encoding="utf-8"?>
 <p:notes xmlns:a="http://schemas.openxmlformats.org/drawingml/2006/main" xmlns:r="http://schemas.openxmlformats.org/officeDocument/2006/relationships" xmlns:p="http://schemas.openxmlformats.org/presentationml/2006/main" showMasterSp="0" showMasterPhAnim="0">
   <p:cSld>
     <p:spTree>
@@ -1685,7 +1575,7 @@
 </p:notes>
 </file>
 
-<file path=ppt/notesSlides/notesSlide18.xml><?xml version="1.0" encoding="utf-8"?>
+<file path=ppt/notesSlides/notesSlide17.xml><?xml version="1.0" encoding="utf-8"?>
 <p:notes xmlns:a="http://schemas.openxmlformats.org/drawingml/2006/main" xmlns:r="http://schemas.openxmlformats.org/officeDocument/2006/relationships" xmlns:p="http://schemas.openxmlformats.org/presentationml/2006/main" showMasterSp="0" showMasterPhAnim="0">
   <p:cSld>
     <p:spTree>
@@ -1789,7 +1679,7 @@
 </p:notes>
 </file>
 
-<file path=ppt/notesSlides/notesSlide19.xml><?xml version="1.0" encoding="utf-8"?>
+<file path=ppt/notesSlides/notesSlide18.xml><?xml version="1.0" encoding="utf-8"?>
 <p:notes xmlns:a="http://schemas.openxmlformats.org/drawingml/2006/main" xmlns:r="http://schemas.openxmlformats.org/officeDocument/2006/relationships" xmlns:p="http://schemas.openxmlformats.org/presentationml/2006/main" showMasterSp="0" showMasterPhAnim="0">
   <p:cSld>
     <p:spTree>
@@ -2522,7 +2412,7 @@
   <p:cSld>
     <p:spTree>
       <p:nvGrpSpPr>
-        <p:cNvPr id="1" name="Shape 93"/>
+        <p:cNvPr id="1" name="Shape 75"/>
         <p:cNvGrpSpPr/>
         <p:nvPr/>
       </p:nvGrpSpPr>
@@ -2536,7 +2426,7 @@
       </p:grpSpPr>
       <p:sp>
         <p:nvSpPr>
-          <p:cNvPr id="94" name="Google Shape;94;g1e0c2d5179_0_35:notes"/>
+          <p:cNvPr id="76" name="Google Shape;76;g1e0c2d5179_0_35:notes"/>
           <p:cNvSpPr>
             <a:spLocks noGrp="1" noRot="1" noChangeAspect="1"/>
           </p:cNvSpPr>
@@ -2577,7 +2467,7 @@
       </p:sp>
       <p:sp>
         <p:nvSpPr>
-          <p:cNvPr id="95" name="Google Shape;95;g1e0c2d5179_0_35:notes"/>
+          <p:cNvPr id="77" name="Google Shape;77;g1e0c2d5179_0_35:notes"/>
           <p:cNvSpPr txBox="1">
             <a:spLocks noGrp="1"/>
           </p:cNvSpPr>
@@ -2718,6 +2608,11 @@
         </p:txBody>
       </p:sp>
     </p:spTree>
+    <p:extLst>
+      <p:ext uri="{BB962C8B-B14F-4D97-AF65-F5344CB8AC3E}">
+        <p14:creationId xmlns:p14="http://schemas.microsoft.com/office/powerpoint/2010/main" val="1406583562"/>
+      </p:ext>
+    </p:extLst>
   </p:cSld>
   <p:clrMapOvr>
     <a:masterClrMapping/>
@@ -7602,296 +7497,6 @@
       </p:grpSpPr>
       <p:sp>
         <p:nvSpPr>
-          <p:cNvPr id="13" name="Google Shape;80;p17">
-            <a:extLst>
-              <a:ext uri="{FF2B5EF4-FFF2-40B4-BE49-F238E27FC236}">
-                <a16:creationId xmlns:a16="http://schemas.microsoft.com/office/drawing/2014/main" id="{8E05359C-ED21-248B-5EDC-D208591E7F32}"/>
-              </a:ext>
-            </a:extLst>
-          </p:cNvPr>
-          <p:cNvSpPr txBox="1">
-            <a:spLocks/>
-          </p:cNvSpPr>
-          <p:nvPr/>
-        </p:nvSpPr>
-        <p:spPr>
-          <a:xfrm>
-            <a:off x="6600620" y="2257425"/>
-            <a:ext cx="2441230" cy="2759125"/>
-          </a:xfrm>
-          <a:prstGeom prst="rect">
-            <a:avLst/>
-          </a:prstGeom>
-          <a:noFill/>
-          <a:ln>
-            <a:noFill/>
-          </a:ln>
-        </p:spPr>
-        <p:txBody>
-          <a:bodyPr spcFirstLastPara="1" wrap="square" lIns="91425" tIns="91425" rIns="91425" bIns="91425" anchor="t" anchorCtr="0">
-            <a:noAutofit/>
-          </a:bodyPr>
-          <a:lstStyle>
-            <a:defPPr marR="0" lvl="0" algn="l" rtl="0">
-              <a:lnSpc>
-                <a:spcPct val="100000"/>
-              </a:lnSpc>
-              <a:spcBef>
-                <a:spcPts val="0"/>
-              </a:spcBef>
-              <a:spcAft>
-                <a:spcPts val="0"/>
-              </a:spcAft>
-            </a:defPPr>
-            <a:lvl1pPr marL="457200" marR="0" lvl="0" indent="-342900" algn="l" rtl="0">
-              <a:lnSpc>
-                <a:spcPct val="115000"/>
-              </a:lnSpc>
-              <a:spcBef>
-                <a:spcPts val="0"/>
-              </a:spcBef>
-              <a:spcAft>
-                <a:spcPts val="0"/>
-              </a:spcAft>
-              <a:buClr>
-                <a:schemeClr val="dk2"/>
-              </a:buClr>
-              <a:buSzPts val="1800"/>
-              <a:buFont typeface="Arial"/>
-              <a:buChar char="●"/>
-              <a:defRPr sz="1800" b="0" i="0" u="none" strike="noStrike" cap="none">
-                <a:solidFill>
-                  <a:schemeClr val="dk2"/>
-                </a:solidFill>
-                <a:latin typeface="Arial"/>
-                <a:ea typeface="Arial"/>
-                <a:cs typeface="Arial"/>
-                <a:sym typeface="Arial"/>
-              </a:defRPr>
-            </a:lvl1pPr>
-            <a:lvl2pPr marL="914400" marR="0" lvl="1" indent="-317500" algn="l" rtl="0">
-              <a:lnSpc>
-                <a:spcPct val="115000"/>
-              </a:lnSpc>
-              <a:spcBef>
-                <a:spcPts val="1600"/>
-              </a:spcBef>
-              <a:spcAft>
-                <a:spcPts val="0"/>
-              </a:spcAft>
-              <a:buClr>
-                <a:schemeClr val="dk2"/>
-              </a:buClr>
-              <a:buSzPts val="1400"/>
-              <a:buFont typeface="Arial"/>
-              <a:buChar char="○"/>
-              <a:defRPr sz="1400" b="0" i="0" u="none" strike="noStrike" cap="none">
-                <a:solidFill>
-                  <a:schemeClr val="dk2"/>
-                </a:solidFill>
-                <a:latin typeface="Arial"/>
-                <a:ea typeface="Arial"/>
-                <a:cs typeface="Arial"/>
-                <a:sym typeface="Arial"/>
-              </a:defRPr>
-            </a:lvl2pPr>
-            <a:lvl3pPr marL="1371600" marR="0" lvl="2" indent="-317500" algn="l" rtl="0">
-              <a:lnSpc>
-                <a:spcPct val="115000"/>
-              </a:lnSpc>
-              <a:spcBef>
-                <a:spcPts val="1600"/>
-              </a:spcBef>
-              <a:spcAft>
-                <a:spcPts val="0"/>
-              </a:spcAft>
-              <a:buClr>
-                <a:schemeClr val="dk2"/>
-              </a:buClr>
-              <a:buSzPts val="1400"/>
-              <a:buFont typeface="Arial"/>
-              <a:buChar char="■"/>
-              <a:defRPr sz="1400" b="0" i="0" u="none" strike="noStrike" cap="none">
-                <a:solidFill>
-                  <a:schemeClr val="dk2"/>
-                </a:solidFill>
-                <a:latin typeface="Arial"/>
-                <a:ea typeface="Arial"/>
-                <a:cs typeface="Arial"/>
-                <a:sym typeface="Arial"/>
-              </a:defRPr>
-            </a:lvl3pPr>
-            <a:lvl4pPr marL="1828800" marR="0" lvl="3" indent="-317500" algn="l" rtl="0">
-              <a:lnSpc>
-                <a:spcPct val="115000"/>
-              </a:lnSpc>
-              <a:spcBef>
-                <a:spcPts val="1600"/>
-              </a:spcBef>
-              <a:spcAft>
-                <a:spcPts val="0"/>
-              </a:spcAft>
-              <a:buClr>
-                <a:schemeClr val="dk2"/>
-              </a:buClr>
-              <a:buSzPts val="1400"/>
-              <a:buFont typeface="Arial"/>
-              <a:buChar char="●"/>
-              <a:defRPr sz="1400" b="0" i="0" u="none" strike="noStrike" cap="none">
-                <a:solidFill>
-                  <a:schemeClr val="dk2"/>
-                </a:solidFill>
-                <a:latin typeface="Arial"/>
-                <a:ea typeface="Arial"/>
-                <a:cs typeface="Arial"/>
-                <a:sym typeface="Arial"/>
-              </a:defRPr>
-            </a:lvl4pPr>
-            <a:lvl5pPr marL="2286000" marR="0" lvl="4" indent="-317500" algn="l" rtl="0">
-              <a:lnSpc>
-                <a:spcPct val="115000"/>
-              </a:lnSpc>
-              <a:spcBef>
-                <a:spcPts val="1600"/>
-              </a:spcBef>
-              <a:spcAft>
-                <a:spcPts val="0"/>
-              </a:spcAft>
-              <a:buClr>
-                <a:schemeClr val="dk2"/>
-              </a:buClr>
-              <a:buSzPts val="1400"/>
-              <a:buFont typeface="Arial"/>
-              <a:buChar char="○"/>
-              <a:defRPr sz="1400" b="0" i="0" u="none" strike="noStrike" cap="none">
-                <a:solidFill>
-                  <a:schemeClr val="dk2"/>
-                </a:solidFill>
-                <a:latin typeface="Arial"/>
-                <a:ea typeface="Arial"/>
-                <a:cs typeface="Arial"/>
-                <a:sym typeface="Arial"/>
-              </a:defRPr>
-            </a:lvl5pPr>
-            <a:lvl6pPr marL="2743200" marR="0" lvl="5" indent="-317500" algn="l" rtl="0">
-              <a:lnSpc>
-                <a:spcPct val="115000"/>
-              </a:lnSpc>
-              <a:spcBef>
-                <a:spcPts val="1600"/>
-              </a:spcBef>
-              <a:spcAft>
-                <a:spcPts val="0"/>
-              </a:spcAft>
-              <a:buClr>
-                <a:schemeClr val="dk2"/>
-              </a:buClr>
-              <a:buSzPts val="1400"/>
-              <a:buFont typeface="Arial"/>
-              <a:buChar char="■"/>
-              <a:defRPr sz="1400" b="0" i="0" u="none" strike="noStrike" cap="none">
-                <a:solidFill>
-                  <a:schemeClr val="dk2"/>
-                </a:solidFill>
-                <a:latin typeface="Arial"/>
-                <a:ea typeface="Arial"/>
-                <a:cs typeface="Arial"/>
-                <a:sym typeface="Arial"/>
-              </a:defRPr>
-            </a:lvl6pPr>
-            <a:lvl7pPr marL="3200400" marR="0" lvl="6" indent="-317500" algn="l" rtl="0">
-              <a:lnSpc>
-                <a:spcPct val="115000"/>
-              </a:lnSpc>
-              <a:spcBef>
-                <a:spcPts val="1600"/>
-              </a:spcBef>
-              <a:spcAft>
-                <a:spcPts val="0"/>
-              </a:spcAft>
-              <a:buClr>
-                <a:schemeClr val="dk2"/>
-              </a:buClr>
-              <a:buSzPts val="1400"/>
-              <a:buFont typeface="Arial"/>
-              <a:buChar char="●"/>
-              <a:defRPr sz="1400" b="0" i="0" u="none" strike="noStrike" cap="none">
-                <a:solidFill>
-                  <a:schemeClr val="dk2"/>
-                </a:solidFill>
-                <a:latin typeface="Arial"/>
-                <a:ea typeface="Arial"/>
-                <a:cs typeface="Arial"/>
-                <a:sym typeface="Arial"/>
-              </a:defRPr>
-            </a:lvl7pPr>
-            <a:lvl8pPr marL="3657600" marR="0" lvl="7" indent="-317500" algn="l" rtl="0">
-              <a:lnSpc>
-                <a:spcPct val="115000"/>
-              </a:lnSpc>
-              <a:spcBef>
-                <a:spcPts val="1600"/>
-              </a:spcBef>
-              <a:spcAft>
-                <a:spcPts val="0"/>
-              </a:spcAft>
-              <a:buClr>
-                <a:schemeClr val="dk2"/>
-              </a:buClr>
-              <a:buSzPts val="1400"/>
-              <a:buFont typeface="Arial"/>
-              <a:buChar char="○"/>
-              <a:defRPr sz="1400" b="0" i="0" u="none" strike="noStrike" cap="none">
-                <a:solidFill>
-                  <a:schemeClr val="dk2"/>
-                </a:solidFill>
-                <a:latin typeface="Arial"/>
-                <a:ea typeface="Arial"/>
-                <a:cs typeface="Arial"/>
-                <a:sym typeface="Arial"/>
-              </a:defRPr>
-            </a:lvl8pPr>
-            <a:lvl9pPr marL="4114800" marR="0" lvl="8" indent="-317500" algn="l" rtl="0">
-              <a:lnSpc>
-                <a:spcPct val="115000"/>
-              </a:lnSpc>
-              <a:spcBef>
-                <a:spcPts val="1600"/>
-              </a:spcBef>
-              <a:spcAft>
-                <a:spcPts val="1600"/>
-              </a:spcAft>
-              <a:buClr>
-                <a:schemeClr val="dk2"/>
-              </a:buClr>
-              <a:buSzPts val="1400"/>
-              <a:buFont typeface="Arial"/>
-              <a:buChar char="■"/>
-              <a:defRPr sz="1400" b="0" i="0" u="none" strike="noStrike" cap="none">
-                <a:solidFill>
-                  <a:schemeClr val="dk2"/>
-                </a:solidFill>
-                <a:latin typeface="Arial"/>
-                <a:ea typeface="Arial"/>
-                <a:cs typeface="Arial"/>
-                <a:sym typeface="Arial"/>
-              </a:defRPr>
-            </a:lvl9pPr>
-          </a:lstStyle>
-          <a:p>
-            <a:pPr marL="0" indent="0">
-              <a:buFont typeface="Arial"/>
-              <a:buNone/>
-            </a:pPr>
-            <a:r>
-              <a:rPr lang="en-US" sz="1400" dirty="0"/>
-              <a:t>The proportion of rural population is the strongest predictor of fertility rate (not GDP)</a:t>
-            </a:r>
-          </a:p>
-        </p:txBody>
-      </p:sp>
-      <p:sp>
-        <p:nvSpPr>
           <p:cNvPr id="79" name="Google Shape;79;p17"/>
           <p:cNvSpPr txBox="1">
             <a:spLocks noGrp="1"/>
@@ -7926,7 +7531,7 @@
             </a:pPr>
             <a:r>
               <a:rPr lang="en" dirty="0"/>
-              <a:t>Findings (II)</a:t>
+              <a:t>Findings (III)</a:t>
             </a:r>
             <a:endParaRPr dirty="0"/>
           </a:p>
@@ -7968,7 +7573,7 @@
             </a:pPr>
             <a:r>
               <a:rPr lang="en-US" sz="1400" dirty="0"/>
-              <a:t>The first interesting observation is that in 1972 the world (in terms of fertility rates) seem to have two gears, a cluster around 2.5 and another around 6 and in 2012 there is mostly a single group around 2.</a:t>
+              <a:t>Though we tend to consider GDP a strong predictor of fertility rate, there are other factors, probably more related to livelihood, cultural habits, education, health care access that influence fertility rates.</a:t>
             </a:r>
           </a:p>
           <a:p>
@@ -7981,7 +7586,7 @@
               </a:spcAft>
               <a:buNone/>
             </a:pPr>
-            <a:endParaRPr lang="en-US" sz="800" dirty="0"/>
+            <a:endParaRPr lang="en-US" sz="1400" dirty="0"/>
           </a:p>
           <a:p>
             <a:pPr marL="0" lvl="0" indent="0" algn="l" rtl="0">
@@ -7995,76 +7600,55 @@
             </a:pPr>
             <a:r>
               <a:rPr lang="en-US" sz="1400" dirty="0"/>
-              <a:t>Around 40% of the variability in the data can be explained by this model (R-squared ~0.4)</a:t>
+              <a:t>In this toy exercise, I limited the question to rural populations (%) for the sake of having enough years/countries data.</a:t>
+            </a:r>
+          </a:p>
+          <a:p>
+            <a:pPr marL="0" lvl="0" indent="0" algn="l" rtl="0">
+              <a:spcBef>
+                <a:spcPts val="0"/>
+              </a:spcBef>
+              <a:spcAft>
+                <a:spcPts val="0"/>
+              </a:spcAft>
+              <a:buNone/>
+            </a:pPr>
+            <a:endParaRPr lang="en-US" sz="1400" dirty="0"/>
+          </a:p>
+          <a:p>
+            <a:pPr marL="0" lvl="0" indent="0" algn="l" rtl="0">
+              <a:spcBef>
+                <a:spcPts val="0"/>
+              </a:spcBef>
+              <a:spcAft>
+                <a:spcPts val="0"/>
+              </a:spcAft>
+              <a:buNone/>
+            </a:pPr>
+            <a:endParaRPr lang="en-US" sz="1400" dirty="0"/>
+          </a:p>
+          <a:p>
+            <a:pPr marL="0" lvl="0" indent="0" algn="l" rtl="0">
+              <a:spcBef>
+                <a:spcPts val="0"/>
+              </a:spcBef>
+              <a:spcAft>
+                <a:spcPts val="0"/>
+              </a:spcAft>
+              <a:buNone/>
+            </a:pPr>
+            <a:r>
+              <a:rPr lang="en-US" sz="1400" dirty="0"/>
+              <a:t>Next, after noting that the fertility data seems to evolve from a bimodal to a unimodal distribution, I try to cluster the countries based on how fertility rates have evolved during this time (1972-2012).</a:t>
             </a:r>
             <a:endParaRPr sz="1400" dirty="0"/>
           </a:p>
         </p:txBody>
       </p:sp>
-      <p:pic>
-        <p:nvPicPr>
-          <p:cNvPr id="3" name="Picture 2" descr="A graph of a graph&#10;&#10;Description automatically generated with medium confidence">
-            <a:extLst>
-              <a:ext uri="{FF2B5EF4-FFF2-40B4-BE49-F238E27FC236}">
-                <a16:creationId xmlns:a16="http://schemas.microsoft.com/office/drawing/2014/main" id="{E1968915-9E76-AD89-FC1B-2AE530DF78C8}"/>
-              </a:ext>
-            </a:extLst>
-          </p:cNvPr>
-          <p:cNvPicPr>
-            <a:picLocks noChangeAspect="1"/>
-          </p:cNvPicPr>
-          <p:nvPr/>
-        </p:nvPicPr>
-        <p:blipFill>
-          <a:blip r:embed="rId3"/>
-          <a:stretch>
-            <a:fillRect/>
-          </a:stretch>
-        </p:blipFill>
-        <p:spPr>
-          <a:xfrm>
-            <a:off x="-571500" y="2037190"/>
-            <a:ext cx="7772400" cy="3108960"/>
-          </a:xfrm>
-          <a:prstGeom prst="rect">
-            <a:avLst/>
-          </a:prstGeom>
-        </p:spPr>
-      </p:pic>
-      <p:pic>
-        <p:nvPicPr>
-          <p:cNvPr id="12" name="Picture 11" descr="A close-up of a receipt&#10;&#10;Description automatically generated">
-            <a:extLst>
-              <a:ext uri="{FF2B5EF4-FFF2-40B4-BE49-F238E27FC236}">
-                <a16:creationId xmlns:a16="http://schemas.microsoft.com/office/drawing/2014/main" id="{D0F8E12D-14FC-A287-9DDB-BE8453754903}"/>
-              </a:ext>
-            </a:extLst>
-          </p:cNvPr>
-          <p:cNvPicPr>
-            <a:picLocks noChangeAspect="1"/>
-          </p:cNvPicPr>
-          <p:nvPr/>
-        </p:nvPicPr>
-        <p:blipFill>
-          <a:blip r:embed="rId4"/>
-          <a:stretch>
-            <a:fillRect/>
-          </a:stretch>
-        </p:blipFill>
-        <p:spPr>
-          <a:xfrm>
-            <a:off x="6613870" y="3524249"/>
-            <a:ext cx="2441229" cy="1334275"/>
-          </a:xfrm>
-          <a:prstGeom prst="rect">
-            <a:avLst/>
-          </a:prstGeom>
-        </p:spPr>
-      </p:pic>
     </p:spTree>
     <p:extLst>
       <p:ext uri="{BB962C8B-B14F-4D97-AF65-F5344CB8AC3E}">
-        <p14:creationId xmlns:p14="http://schemas.microsoft.com/office/powerpoint/2010/main" val="3722126858"/>
+        <p14:creationId xmlns:p14="http://schemas.microsoft.com/office/powerpoint/2010/main" val="2513020545"/>
       </p:ext>
     </p:extLst>
   </p:cSld>
@@ -8127,12 +7711,42 @@
             </a:pPr>
             <a:r>
               <a:rPr lang="en" dirty="0"/>
-              <a:t>Findings (III)</a:t>
+              <a:t>Findings (IV)</a:t>
             </a:r>
             <a:endParaRPr dirty="0"/>
           </a:p>
         </p:txBody>
       </p:sp>
+      <p:pic>
+        <p:nvPicPr>
+          <p:cNvPr id="29" name="Picture 28">
+            <a:extLst>
+              <a:ext uri="{FF2B5EF4-FFF2-40B4-BE49-F238E27FC236}">
+                <a16:creationId xmlns:a16="http://schemas.microsoft.com/office/drawing/2014/main" id="{0C731A32-65B8-9BDE-3062-DC9522260B93}"/>
+              </a:ext>
+            </a:extLst>
+          </p:cNvPr>
+          <p:cNvPicPr>
+            <a:picLocks noChangeAspect="1"/>
+          </p:cNvPicPr>
+          <p:nvPr/>
+        </p:nvPicPr>
+        <p:blipFill>
+          <a:blip r:embed="rId3"/>
+          <a:stretch>
+            <a:fillRect/>
+          </a:stretch>
+        </p:blipFill>
+        <p:spPr>
+          <a:xfrm>
+            <a:off x="3113929" y="620947"/>
+            <a:ext cx="6030071" cy="4522553"/>
+          </a:xfrm>
+          <a:prstGeom prst="rect">
+            <a:avLst/>
+          </a:prstGeom>
+        </p:spPr>
+      </p:pic>
       <p:sp>
         <p:nvSpPr>
           <p:cNvPr id="80" name="Google Shape;80;p17"/>
@@ -8146,7 +7760,7 @@
         <p:spPr>
           <a:xfrm>
             <a:off x="311700" y="1152475"/>
-            <a:ext cx="8520600" cy="3416400"/>
+            <a:ext cx="3230397" cy="3680750"/>
           </a:xfrm>
           <a:prstGeom prst="rect">
             <a:avLst/>
@@ -8169,34 +7783,7 @@
             </a:pPr>
             <a:r>
               <a:rPr lang="en-US" sz="1400" dirty="0"/>
-              <a:t>Though we tend to consider GDP a strong predictor of fertility rate, there are other factors, probably more related to livelihood, cultural habits, education, health care access that influence fertility rates.</a:t>
-            </a:r>
-          </a:p>
-          <a:p>
-            <a:pPr marL="0" lvl="0" indent="0" algn="l" rtl="0">
-              <a:spcBef>
-                <a:spcPts val="0"/>
-              </a:spcBef>
-              <a:spcAft>
-                <a:spcPts val="0"/>
-              </a:spcAft>
-              <a:buNone/>
-            </a:pPr>
-            <a:endParaRPr lang="en-US" sz="1400" dirty="0"/>
-          </a:p>
-          <a:p>
-            <a:pPr marL="0" lvl="0" indent="0" algn="l" rtl="0">
-              <a:spcBef>
-                <a:spcPts val="0"/>
-              </a:spcBef>
-              <a:spcAft>
-                <a:spcPts val="0"/>
-              </a:spcAft>
-              <a:buNone/>
-            </a:pPr>
-            <a:r>
-              <a:rPr lang="en-US" sz="1400" dirty="0"/>
-              <a:t>In this toy exercise, I limited the question to rural populations (%) for the sake of having enough years/countries data.</a:t>
+              <a:t>Using an elbow method for optimal clustering, given the data either the dynamic time warping or k-means clustering didn’t result in a clear cluster cut off I decided on using 11.</a:t>
             </a:r>
             <a:endParaRPr sz="1400" dirty="0"/>
           </a:p>
@@ -8205,7 +7792,7 @@
     </p:spTree>
     <p:extLst>
       <p:ext uri="{BB962C8B-B14F-4D97-AF65-F5344CB8AC3E}">
-        <p14:creationId xmlns:p14="http://schemas.microsoft.com/office/powerpoint/2010/main" val="2513020545"/>
+        <p14:creationId xmlns:p14="http://schemas.microsoft.com/office/powerpoint/2010/main" val="1430175403"/>
       </p:ext>
     </p:extLst>
   </p:cSld>
@@ -8268,18 +7855,18 @@
             </a:pPr>
             <a:r>
               <a:rPr lang="en" dirty="0"/>
-              <a:t>Findings (IV)</a:t>
+              <a:t>Findings (V)</a:t>
             </a:r>
-            <a:endParaRPr dirty="0"/>
+            <a:endParaRPr i="1" dirty="0"/>
           </a:p>
         </p:txBody>
       </p:sp>
       <p:pic>
         <p:nvPicPr>
-          <p:cNvPr id="29" name="Picture 28">
+          <p:cNvPr id="7" name="Picture 6">
             <a:extLst>
               <a:ext uri="{FF2B5EF4-FFF2-40B4-BE49-F238E27FC236}">
-                <a16:creationId xmlns:a16="http://schemas.microsoft.com/office/drawing/2014/main" id="{0C731A32-65B8-9BDE-3062-DC9522260B93}"/>
+                <a16:creationId xmlns:a16="http://schemas.microsoft.com/office/drawing/2014/main" id="{94BFF45C-2E78-839C-47BE-D2CE671C5F47}"/>
               </a:ext>
             </a:extLst>
           </p:cNvPr>
@@ -8296,8 +7883,308 @@
         </p:blipFill>
         <p:spPr>
           <a:xfrm>
-            <a:off x="3113929" y="620947"/>
-            <a:ext cx="6030071" cy="4522553"/>
+            <a:off x="4553773" y="3999364"/>
+            <a:ext cx="2286000" cy="1143000"/>
+          </a:xfrm>
+          <a:prstGeom prst="rect">
+            <a:avLst/>
+          </a:prstGeom>
+        </p:spPr>
+      </p:pic>
+      <p:pic>
+        <p:nvPicPr>
+          <p:cNvPr id="9" name="Picture 8">
+            <a:extLst>
+              <a:ext uri="{FF2B5EF4-FFF2-40B4-BE49-F238E27FC236}">
+                <a16:creationId xmlns:a16="http://schemas.microsoft.com/office/drawing/2014/main" id="{1E100C4C-F676-CDDD-2A11-1E32BF7EA137}"/>
+              </a:ext>
+            </a:extLst>
+          </p:cNvPr>
+          <p:cNvPicPr>
+            <a:picLocks noChangeAspect="1"/>
+          </p:cNvPicPr>
+          <p:nvPr/>
+        </p:nvPicPr>
+        <p:blipFill>
+          <a:blip r:embed="rId4"/>
+          <a:stretch>
+            <a:fillRect/>
+          </a:stretch>
+        </p:blipFill>
+        <p:spPr>
+          <a:xfrm>
+            <a:off x="2283289" y="3999364"/>
+            <a:ext cx="2286000" cy="1143000"/>
+          </a:xfrm>
+          <a:prstGeom prst="rect">
+            <a:avLst/>
+          </a:prstGeom>
+        </p:spPr>
+      </p:pic>
+      <p:pic>
+        <p:nvPicPr>
+          <p:cNvPr id="11" name="Picture 10">
+            <a:extLst>
+              <a:ext uri="{FF2B5EF4-FFF2-40B4-BE49-F238E27FC236}">
+                <a16:creationId xmlns:a16="http://schemas.microsoft.com/office/drawing/2014/main" id="{2A804098-D4F3-4F9C-894B-5694BED36302}"/>
+              </a:ext>
+            </a:extLst>
+          </p:cNvPr>
+          <p:cNvPicPr>
+            <a:picLocks noChangeAspect="1"/>
+          </p:cNvPicPr>
+          <p:nvPr/>
+        </p:nvPicPr>
+        <p:blipFill>
+          <a:blip r:embed="rId5"/>
+          <a:stretch>
+            <a:fillRect/>
+          </a:stretch>
+        </p:blipFill>
+        <p:spPr>
+          <a:xfrm>
+            <a:off x="12805" y="3999364"/>
+            <a:ext cx="2286000" cy="1143000"/>
+          </a:xfrm>
+          <a:prstGeom prst="rect">
+            <a:avLst/>
+          </a:prstGeom>
+        </p:spPr>
+      </p:pic>
+      <p:pic>
+        <p:nvPicPr>
+          <p:cNvPr id="13" name="Picture 12">
+            <a:extLst>
+              <a:ext uri="{FF2B5EF4-FFF2-40B4-BE49-F238E27FC236}">
+                <a16:creationId xmlns:a16="http://schemas.microsoft.com/office/drawing/2014/main" id="{71B01728-18E8-E0DC-0DDA-D859A3566C1F}"/>
+              </a:ext>
+            </a:extLst>
+          </p:cNvPr>
+          <p:cNvPicPr>
+            <a:picLocks noChangeAspect="1"/>
+          </p:cNvPicPr>
+          <p:nvPr/>
+        </p:nvPicPr>
+        <p:blipFill>
+          <a:blip r:embed="rId6"/>
+          <a:stretch>
+            <a:fillRect/>
+          </a:stretch>
+        </p:blipFill>
+        <p:spPr>
+          <a:xfrm>
+            <a:off x="6816908" y="2835219"/>
+            <a:ext cx="2286000" cy="1143000"/>
+          </a:xfrm>
+          <a:prstGeom prst="rect">
+            <a:avLst/>
+          </a:prstGeom>
+        </p:spPr>
+      </p:pic>
+      <p:pic>
+        <p:nvPicPr>
+          <p:cNvPr id="15" name="Picture 14">
+            <a:extLst>
+              <a:ext uri="{FF2B5EF4-FFF2-40B4-BE49-F238E27FC236}">
+                <a16:creationId xmlns:a16="http://schemas.microsoft.com/office/drawing/2014/main" id="{8AF1E36A-0BD9-CA0E-56A6-AD703F7502A4}"/>
+              </a:ext>
+            </a:extLst>
+          </p:cNvPr>
+          <p:cNvPicPr>
+            <a:picLocks noChangeAspect="1"/>
+          </p:cNvPicPr>
+          <p:nvPr/>
+        </p:nvPicPr>
+        <p:blipFill>
+          <a:blip r:embed="rId7"/>
+          <a:stretch>
+            <a:fillRect/>
+          </a:stretch>
+        </p:blipFill>
+        <p:spPr>
+          <a:xfrm>
+            <a:off x="4487913" y="2835219"/>
+            <a:ext cx="2377440" cy="1188720"/>
+          </a:xfrm>
+          <a:prstGeom prst="rect">
+            <a:avLst/>
+          </a:prstGeom>
+        </p:spPr>
+      </p:pic>
+      <p:pic>
+        <p:nvPicPr>
+          <p:cNvPr id="17" name="Picture 16">
+            <a:extLst>
+              <a:ext uri="{FF2B5EF4-FFF2-40B4-BE49-F238E27FC236}">
+                <a16:creationId xmlns:a16="http://schemas.microsoft.com/office/drawing/2014/main" id="{CEF350BC-EAE4-5AC8-4DE6-A9312D786F4F}"/>
+              </a:ext>
+            </a:extLst>
+          </p:cNvPr>
+          <p:cNvPicPr>
+            <a:picLocks noChangeAspect="1"/>
+          </p:cNvPicPr>
+          <p:nvPr/>
+        </p:nvPicPr>
+        <p:blipFill>
+          <a:blip r:embed="rId8"/>
+          <a:stretch>
+            <a:fillRect/>
+          </a:stretch>
+        </p:blipFill>
+        <p:spPr>
+          <a:xfrm>
+            <a:off x="2250359" y="2835219"/>
+            <a:ext cx="2286000" cy="1143000"/>
+          </a:xfrm>
+          <a:prstGeom prst="rect">
+            <a:avLst/>
+          </a:prstGeom>
+        </p:spPr>
+      </p:pic>
+      <p:pic>
+        <p:nvPicPr>
+          <p:cNvPr id="19" name="Picture 18">
+            <a:extLst>
+              <a:ext uri="{FF2B5EF4-FFF2-40B4-BE49-F238E27FC236}">
+                <a16:creationId xmlns:a16="http://schemas.microsoft.com/office/drawing/2014/main" id="{4AA9F33B-0620-CDC6-D9FB-943B413745F6}"/>
+              </a:ext>
+            </a:extLst>
+          </p:cNvPr>
+          <p:cNvPicPr>
+            <a:picLocks noChangeAspect="1"/>
+          </p:cNvPicPr>
+          <p:nvPr/>
+        </p:nvPicPr>
+        <p:blipFill>
+          <a:blip r:embed="rId9"/>
+          <a:stretch>
+            <a:fillRect/>
+          </a:stretch>
+        </p:blipFill>
+        <p:spPr>
+          <a:xfrm>
+            <a:off x="12805" y="2835219"/>
+            <a:ext cx="2286000" cy="1143000"/>
+          </a:xfrm>
+          <a:prstGeom prst="rect">
+            <a:avLst/>
+          </a:prstGeom>
+        </p:spPr>
+      </p:pic>
+      <p:pic>
+        <p:nvPicPr>
+          <p:cNvPr id="21" name="Picture 20">
+            <a:extLst>
+              <a:ext uri="{FF2B5EF4-FFF2-40B4-BE49-F238E27FC236}">
+                <a16:creationId xmlns:a16="http://schemas.microsoft.com/office/drawing/2014/main" id="{31222373-3941-E0A2-5E7E-109A5B2BCBD4}"/>
+              </a:ext>
+            </a:extLst>
+          </p:cNvPr>
+          <p:cNvPicPr>
+            <a:picLocks noChangeAspect="1"/>
+          </p:cNvPicPr>
+          <p:nvPr/>
+        </p:nvPicPr>
+        <p:blipFill>
+          <a:blip r:embed="rId10"/>
+          <a:stretch>
+            <a:fillRect/>
+          </a:stretch>
+        </p:blipFill>
+        <p:spPr>
+          <a:xfrm>
+            <a:off x="6828892" y="1552355"/>
+            <a:ext cx="2286000" cy="1143000"/>
+          </a:xfrm>
+          <a:prstGeom prst="rect">
+            <a:avLst/>
+          </a:prstGeom>
+        </p:spPr>
+      </p:pic>
+      <p:pic>
+        <p:nvPicPr>
+          <p:cNvPr id="23" name="Picture 22">
+            <a:extLst>
+              <a:ext uri="{FF2B5EF4-FFF2-40B4-BE49-F238E27FC236}">
+                <a16:creationId xmlns:a16="http://schemas.microsoft.com/office/drawing/2014/main" id="{61E17D21-0429-4C39-97EB-73F7C8182AB7}"/>
+              </a:ext>
+            </a:extLst>
+          </p:cNvPr>
+          <p:cNvPicPr>
+            <a:picLocks noChangeAspect="1"/>
+          </p:cNvPicPr>
+          <p:nvPr/>
+        </p:nvPicPr>
+        <p:blipFill>
+          <a:blip r:embed="rId11"/>
+          <a:stretch>
+            <a:fillRect/>
+          </a:stretch>
+        </p:blipFill>
+        <p:spPr>
+          <a:xfrm>
+            <a:off x="4552594" y="1552355"/>
+            <a:ext cx="2286000" cy="1143000"/>
+          </a:xfrm>
+          <a:prstGeom prst="rect">
+            <a:avLst/>
+          </a:prstGeom>
+        </p:spPr>
+      </p:pic>
+      <p:pic>
+        <p:nvPicPr>
+          <p:cNvPr id="25" name="Picture 24">
+            <a:extLst>
+              <a:ext uri="{FF2B5EF4-FFF2-40B4-BE49-F238E27FC236}">
+                <a16:creationId xmlns:a16="http://schemas.microsoft.com/office/drawing/2014/main" id="{CC8C74B9-45DF-1BE8-AFB9-D38BABC239BC}"/>
+              </a:ext>
+            </a:extLst>
+          </p:cNvPr>
+          <p:cNvPicPr>
+            <a:picLocks noChangeAspect="1"/>
+          </p:cNvPicPr>
+          <p:nvPr/>
+        </p:nvPicPr>
+        <p:blipFill>
+          <a:blip r:embed="rId12"/>
+          <a:stretch>
+            <a:fillRect/>
+          </a:stretch>
+        </p:blipFill>
+        <p:spPr>
+          <a:xfrm>
+            <a:off x="2276297" y="1552355"/>
+            <a:ext cx="2286000" cy="1143000"/>
+          </a:xfrm>
+          <a:prstGeom prst="rect">
+            <a:avLst/>
+          </a:prstGeom>
+        </p:spPr>
+      </p:pic>
+      <p:pic>
+        <p:nvPicPr>
+          <p:cNvPr id="27" name="Picture 26">
+            <a:extLst>
+              <a:ext uri="{FF2B5EF4-FFF2-40B4-BE49-F238E27FC236}">
+                <a16:creationId xmlns:a16="http://schemas.microsoft.com/office/drawing/2014/main" id="{79EFBAAC-26D2-8535-8AD5-4906E8C00964}"/>
+              </a:ext>
+            </a:extLst>
+          </p:cNvPr>
+          <p:cNvPicPr>
+            <a:picLocks noChangeAspect="1"/>
+          </p:cNvPicPr>
+          <p:nvPr/>
+        </p:nvPicPr>
+        <p:blipFill>
+          <a:blip r:embed="rId13"/>
+          <a:stretch>
+            <a:fillRect/>
+          </a:stretch>
+        </p:blipFill>
+        <p:spPr>
+          <a:xfrm>
+            <a:off x="0" y="1552355"/>
+            <a:ext cx="2286000" cy="1143000"/>
           </a:xfrm>
           <a:prstGeom prst="rect">
             <a:avLst/>
@@ -8306,7 +8193,13 @@
       </p:pic>
       <p:sp>
         <p:nvSpPr>
-          <p:cNvPr id="80" name="Google Shape;80;p17"/>
+          <p:cNvPr id="6" name="Google Shape;80;p17">
+            <a:extLst>
+              <a:ext uri="{FF2B5EF4-FFF2-40B4-BE49-F238E27FC236}">
+                <a16:creationId xmlns:a16="http://schemas.microsoft.com/office/drawing/2014/main" id="{65790EA6-D235-7169-4F4C-CB65B14DC5F2}"/>
+              </a:ext>
+            </a:extLst>
+          </p:cNvPr>
           <p:cNvSpPr txBox="1">
             <a:spLocks noGrp="1"/>
           </p:cNvSpPr>
@@ -8317,7 +8210,7 @@
         <p:spPr>
           <a:xfrm>
             <a:off x="311700" y="1152475"/>
-            <a:ext cx="3230397" cy="3680750"/>
+            <a:ext cx="8520600" cy="3416400"/>
           </a:xfrm>
           <a:prstGeom prst="rect">
             <a:avLst/>
@@ -8340,7 +8233,7 @@
             </a:pPr>
             <a:r>
               <a:rPr lang="en-US" sz="1400" dirty="0"/>
-              <a:t>Using an elbow method for optimal clustering, given the data either the dynamic time warping or k-means clustering didn’t result in a clear cluster cut off I decided on using 11.</a:t>
+              <a:t>Apologies for the dense visuals. Overview of all the clusters.</a:t>
             </a:r>
             <a:endParaRPr sz="1400" dirty="0"/>
           </a:p>
@@ -8349,7 +8242,7 @@
     </p:spTree>
     <p:extLst>
       <p:ext uri="{BB962C8B-B14F-4D97-AF65-F5344CB8AC3E}">
-        <p14:creationId xmlns:p14="http://schemas.microsoft.com/office/powerpoint/2010/main" val="1430175403"/>
+        <p14:creationId xmlns:p14="http://schemas.microsoft.com/office/powerpoint/2010/main" val="2219888788"/>
       </p:ext>
     </p:extLst>
   </p:cSld>
@@ -8412,18 +8305,18 @@
             </a:pPr>
             <a:r>
               <a:rPr lang="en" dirty="0"/>
-              <a:t>Findings (V)</a:t>
+              <a:t>Findings (VI)</a:t>
             </a:r>
-            <a:endParaRPr i="1" dirty="0"/>
+            <a:endParaRPr dirty="0"/>
           </a:p>
         </p:txBody>
       </p:sp>
       <p:pic>
         <p:nvPicPr>
-          <p:cNvPr id="7" name="Picture 6">
+          <p:cNvPr id="4" name="Picture 3" descr="A graph showing different colored lines&#10;&#10;Description automatically generated">
             <a:extLst>
               <a:ext uri="{FF2B5EF4-FFF2-40B4-BE49-F238E27FC236}">
-                <a16:creationId xmlns:a16="http://schemas.microsoft.com/office/drawing/2014/main" id="{94BFF45C-2E78-839C-47BE-D2CE671C5F47}"/>
+                <a16:creationId xmlns:a16="http://schemas.microsoft.com/office/drawing/2014/main" id="{7E2D75A3-0EC1-70A3-AA92-4ABD140A18BE}"/>
               </a:ext>
             </a:extLst>
           </p:cNvPr>
@@ -8440,308 +8333,8 @@
         </p:blipFill>
         <p:spPr>
           <a:xfrm>
-            <a:off x="4553773" y="3999364"/>
-            <a:ext cx="2286000" cy="1143000"/>
-          </a:xfrm>
-          <a:prstGeom prst="rect">
-            <a:avLst/>
-          </a:prstGeom>
-        </p:spPr>
-      </p:pic>
-      <p:pic>
-        <p:nvPicPr>
-          <p:cNvPr id="9" name="Picture 8">
-            <a:extLst>
-              <a:ext uri="{FF2B5EF4-FFF2-40B4-BE49-F238E27FC236}">
-                <a16:creationId xmlns:a16="http://schemas.microsoft.com/office/drawing/2014/main" id="{1E100C4C-F676-CDDD-2A11-1E32BF7EA137}"/>
-              </a:ext>
-            </a:extLst>
-          </p:cNvPr>
-          <p:cNvPicPr>
-            <a:picLocks noChangeAspect="1"/>
-          </p:cNvPicPr>
-          <p:nvPr/>
-        </p:nvPicPr>
-        <p:blipFill>
-          <a:blip r:embed="rId4"/>
-          <a:stretch>
-            <a:fillRect/>
-          </a:stretch>
-        </p:blipFill>
-        <p:spPr>
-          <a:xfrm>
-            <a:off x="2283289" y="3999364"/>
-            <a:ext cx="2286000" cy="1143000"/>
-          </a:xfrm>
-          <a:prstGeom prst="rect">
-            <a:avLst/>
-          </a:prstGeom>
-        </p:spPr>
-      </p:pic>
-      <p:pic>
-        <p:nvPicPr>
-          <p:cNvPr id="11" name="Picture 10">
-            <a:extLst>
-              <a:ext uri="{FF2B5EF4-FFF2-40B4-BE49-F238E27FC236}">
-                <a16:creationId xmlns:a16="http://schemas.microsoft.com/office/drawing/2014/main" id="{2A804098-D4F3-4F9C-894B-5694BED36302}"/>
-              </a:ext>
-            </a:extLst>
-          </p:cNvPr>
-          <p:cNvPicPr>
-            <a:picLocks noChangeAspect="1"/>
-          </p:cNvPicPr>
-          <p:nvPr/>
-        </p:nvPicPr>
-        <p:blipFill>
-          <a:blip r:embed="rId5"/>
-          <a:stretch>
-            <a:fillRect/>
-          </a:stretch>
-        </p:blipFill>
-        <p:spPr>
-          <a:xfrm>
-            <a:off x="12805" y="3999364"/>
-            <a:ext cx="2286000" cy="1143000"/>
-          </a:xfrm>
-          <a:prstGeom prst="rect">
-            <a:avLst/>
-          </a:prstGeom>
-        </p:spPr>
-      </p:pic>
-      <p:pic>
-        <p:nvPicPr>
-          <p:cNvPr id="13" name="Picture 12">
-            <a:extLst>
-              <a:ext uri="{FF2B5EF4-FFF2-40B4-BE49-F238E27FC236}">
-                <a16:creationId xmlns:a16="http://schemas.microsoft.com/office/drawing/2014/main" id="{71B01728-18E8-E0DC-0DDA-D859A3566C1F}"/>
-              </a:ext>
-            </a:extLst>
-          </p:cNvPr>
-          <p:cNvPicPr>
-            <a:picLocks noChangeAspect="1"/>
-          </p:cNvPicPr>
-          <p:nvPr/>
-        </p:nvPicPr>
-        <p:blipFill>
-          <a:blip r:embed="rId6"/>
-          <a:stretch>
-            <a:fillRect/>
-          </a:stretch>
-        </p:blipFill>
-        <p:spPr>
-          <a:xfrm>
-            <a:off x="6816908" y="2835219"/>
-            <a:ext cx="2286000" cy="1143000"/>
-          </a:xfrm>
-          <a:prstGeom prst="rect">
-            <a:avLst/>
-          </a:prstGeom>
-        </p:spPr>
-      </p:pic>
-      <p:pic>
-        <p:nvPicPr>
-          <p:cNvPr id="15" name="Picture 14">
-            <a:extLst>
-              <a:ext uri="{FF2B5EF4-FFF2-40B4-BE49-F238E27FC236}">
-                <a16:creationId xmlns:a16="http://schemas.microsoft.com/office/drawing/2014/main" id="{8AF1E36A-0BD9-CA0E-56A6-AD703F7502A4}"/>
-              </a:ext>
-            </a:extLst>
-          </p:cNvPr>
-          <p:cNvPicPr>
-            <a:picLocks noChangeAspect="1"/>
-          </p:cNvPicPr>
-          <p:nvPr/>
-        </p:nvPicPr>
-        <p:blipFill>
-          <a:blip r:embed="rId7"/>
-          <a:stretch>
-            <a:fillRect/>
-          </a:stretch>
-        </p:blipFill>
-        <p:spPr>
-          <a:xfrm>
-            <a:off x="4487913" y="2835219"/>
-            <a:ext cx="2377440" cy="1188720"/>
-          </a:xfrm>
-          <a:prstGeom prst="rect">
-            <a:avLst/>
-          </a:prstGeom>
-        </p:spPr>
-      </p:pic>
-      <p:pic>
-        <p:nvPicPr>
-          <p:cNvPr id="17" name="Picture 16">
-            <a:extLst>
-              <a:ext uri="{FF2B5EF4-FFF2-40B4-BE49-F238E27FC236}">
-                <a16:creationId xmlns:a16="http://schemas.microsoft.com/office/drawing/2014/main" id="{CEF350BC-EAE4-5AC8-4DE6-A9312D786F4F}"/>
-              </a:ext>
-            </a:extLst>
-          </p:cNvPr>
-          <p:cNvPicPr>
-            <a:picLocks noChangeAspect="1"/>
-          </p:cNvPicPr>
-          <p:nvPr/>
-        </p:nvPicPr>
-        <p:blipFill>
-          <a:blip r:embed="rId8"/>
-          <a:stretch>
-            <a:fillRect/>
-          </a:stretch>
-        </p:blipFill>
-        <p:spPr>
-          <a:xfrm>
-            <a:off x="2250359" y="2835219"/>
-            <a:ext cx="2286000" cy="1143000"/>
-          </a:xfrm>
-          <a:prstGeom prst="rect">
-            <a:avLst/>
-          </a:prstGeom>
-        </p:spPr>
-      </p:pic>
-      <p:pic>
-        <p:nvPicPr>
-          <p:cNvPr id="19" name="Picture 18">
-            <a:extLst>
-              <a:ext uri="{FF2B5EF4-FFF2-40B4-BE49-F238E27FC236}">
-                <a16:creationId xmlns:a16="http://schemas.microsoft.com/office/drawing/2014/main" id="{4AA9F33B-0620-CDC6-D9FB-943B413745F6}"/>
-              </a:ext>
-            </a:extLst>
-          </p:cNvPr>
-          <p:cNvPicPr>
-            <a:picLocks noChangeAspect="1"/>
-          </p:cNvPicPr>
-          <p:nvPr/>
-        </p:nvPicPr>
-        <p:blipFill>
-          <a:blip r:embed="rId9"/>
-          <a:stretch>
-            <a:fillRect/>
-          </a:stretch>
-        </p:blipFill>
-        <p:spPr>
-          <a:xfrm>
-            <a:off x="12805" y="2835219"/>
-            <a:ext cx="2286000" cy="1143000"/>
-          </a:xfrm>
-          <a:prstGeom prst="rect">
-            <a:avLst/>
-          </a:prstGeom>
-        </p:spPr>
-      </p:pic>
-      <p:pic>
-        <p:nvPicPr>
-          <p:cNvPr id="21" name="Picture 20">
-            <a:extLst>
-              <a:ext uri="{FF2B5EF4-FFF2-40B4-BE49-F238E27FC236}">
-                <a16:creationId xmlns:a16="http://schemas.microsoft.com/office/drawing/2014/main" id="{31222373-3941-E0A2-5E7E-109A5B2BCBD4}"/>
-              </a:ext>
-            </a:extLst>
-          </p:cNvPr>
-          <p:cNvPicPr>
-            <a:picLocks noChangeAspect="1"/>
-          </p:cNvPicPr>
-          <p:nvPr/>
-        </p:nvPicPr>
-        <p:blipFill>
-          <a:blip r:embed="rId10"/>
-          <a:stretch>
-            <a:fillRect/>
-          </a:stretch>
-        </p:blipFill>
-        <p:spPr>
-          <a:xfrm>
-            <a:off x="6828892" y="1552355"/>
-            <a:ext cx="2286000" cy="1143000"/>
-          </a:xfrm>
-          <a:prstGeom prst="rect">
-            <a:avLst/>
-          </a:prstGeom>
-        </p:spPr>
-      </p:pic>
-      <p:pic>
-        <p:nvPicPr>
-          <p:cNvPr id="23" name="Picture 22">
-            <a:extLst>
-              <a:ext uri="{FF2B5EF4-FFF2-40B4-BE49-F238E27FC236}">
-                <a16:creationId xmlns:a16="http://schemas.microsoft.com/office/drawing/2014/main" id="{61E17D21-0429-4C39-97EB-73F7C8182AB7}"/>
-              </a:ext>
-            </a:extLst>
-          </p:cNvPr>
-          <p:cNvPicPr>
-            <a:picLocks noChangeAspect="1"/>
-          </p:cNvPicPr>
-          <p:nvPr/>
-        </p:nvPicPr>
-        <p:blipFill>
-          <a:blip r:embed="rId11"/>
-          <a:stretch>
-            <a:fillRect/>
-          </a:stretch>
-        </p:blipFill>
-        <p:spPr>
-          <a:xfrm>
-            <a:off x="4552594" y="1552355"/>
-            <a:ext cx="2286000" cy="1143000"/>
-          </a:xfrm>
-          <a:prstGeom prst="rect">
-            <a:avLst/>
-          </a:prstGeom>
-        </p:spPr>
-      </p:pic>
-      <p:pic>
-        <p:nvPicPr>
-          <p:cNvPr id="25" name="Picture 24">
-            <a:extLst>
-              <a:ext uri="{FF2B5EF4-FFF2-40B4-BE49-F238E27FC236}">
-                <a16:creationId xmlns:a16="http://schemas.microsoft.com/office/drawing/2014/main" id="{CC8C74B9-45DF-1BE8-AFB9-D38BABC239BC}"/>
-              </a:ext>
-            </a:extLst>
-          </p:cNvPr>
-          <p:cNvPicPr>
-            <a:picLocks noChangeAspect="1"/>
-          </p:cNvPicPr>
-          <p:nvPr/>
-        </p:nvPicPr>
-        <p:blipFill>
-          <a:blip r:embed="rId12"/>
-          <a:stretch>
-            <a:fillRect/>
-          </a:stretch>
-        </p:blipFill>
-        <p:spPr>
-          <a:xfrm>
-            <a:off x="2276297" y="1552355"/>
-            <a:ext cx="2286000" cy="1143000"/>
-          </a:xfrm>
-          <a:prstGeom prst="rect">
-            <a:avLst/>
-          </a:prstGeom>
-        </p:spPr>
-      </p:pic>
-      <p:pic>
-        <p:nvPicPr>
-          <p:cNvPr id="27" name="Picture 26">
-            <a:extLst>
-              <a:ext uri="{FF2B5EF4-FFF2-40B4-BE49-F238E27FC236}">
-                <a16:creationId xmlns:a16="http://schemas.microsoft.com/office/drawing/2014/main" id="{79EFBAAC-26D2-8535-8AD5-4906E8C00964}"/>
-              </a:ext>
-            </a:extLst>
-          </p:cNvPr>
-          <p:cNvPicPr>
-            <a:picLocks noChangeAspect="1"/>
-          </p:cNvPicPr>
-          <p:nvPr/>
-        </p:nvPicPr>
-        <p:blipFill>
-          <a:blip r:embed="rId13"/>
-          <a:stretch>
-            <a:fillRect/>
-          </a:stretch>
-        </p:blipFill>
-        <p:spPr>
-          <a:xfrm>
-            <a:off x="0" y="1552355"/>
-            <a:ext cx="2286000" cy="1143000"/>
+            <a:off x="2035629" y="1366156"/>
+            <a:ext cx="7772400" cy="3886200"/>
           </a:xfrm>
           <a:prstGeom prst="rect">
             <a:avLst/>
@@ -8750,13 +8343,7 @@
       </p:pic>
       <p:sp>
         <p:nvSpPr>
-          <p:cNvPr id="6" name="Google Shape;80;p17">
-            <a:extLst>
-              <a:ext uri="{FF2B5EF4-FFF2-40B4-BE49-F238E27FC236}">
-                <a16:creationId xmlns:a16="http://schemas.microsoft.com/office/drawing/2014/main" id="{65790EA6-D235-7169-4F4C-CB65B14DC5F2}"/>
-              </a:ext>
-            </a:extLst>
-          </p:cNvPr>
+          <p:cNvPr id="80" name="Google Shape;80;p17"/>
           <p:cNvSpPr txBox="1">
             <a:spLocks noGrp="1"/>
           </p:cNvSpPr>
@@ -8766,8 +8353,8 @@
         </p:nvSpPr>
         <p:spPr>
           <a:xfrm>
-            <a:off x="311700" y="1152475"/>
-            <a:ext cx="8520600" cy="3416400"/>
+            <a:off x="224615" y="1163360"/>
+            <a:ext cx="2551242" cy="3416400"/>
           </a:xfrm>
           <a:prstGeom prst="rect">
             <a:avLst/>
@@ -8790,7 +8377,7 @@
             </a:pPr>
             <a:r>
               <a:rPr lang="en-US" sz="1400" dirty="0"/>
-              <a:t>Apologies for the dense visuals. Overview of all the clusters.</a:t>
+              <a:t>For the most part the different clusters tend to capture somewhat different modes of how the fertility rates have been trending. Mostly differentiating the rate of change in fertility rates across different countries.</a:t>
             </a:r>
             <a:endParaRPr sz="1400" dirty="0"/>
           </a:p>
@@ -8799,7 +8386,7 @@
     </p:spTree>
     <p:extLst>
       <p:ext uri="{BB962C8B-B14F-4D97-AF65-F5344CB8AC3E}">
-        <p14:creationId xmlns:p14="http://schemas.microsoft.com/office/powerpoint/2010/main" val="2219888788"/>
+        <p14:creationId xmlns:p14="http://schemas.microsoft.com/office/powerpoint/2010/main" val="1946204794"/>
       </p:ext>
     </p:extLst>
   </p:cSld>
@@ -8862,7 +8449,7 @@
             </a:pPr>
             <a:r>
               <a:rPr lang="en" dirty="0"/>
-              <a:t>Findings (VI)</a:t>
+              <a:t>Findings (IV)</a:t>
             </a:r>
             <a:endParaRPr dirty="0"/>
           </a:p>
@@ -8870,10 +8457,10 @@
       </p:sp>
       <p:pic>
         <p:nvPicPr>
-          <p:cNvPr id="4" name="Picture 3" descr="A graph showing different colored lines&#10;&#10;Description automatically generated">
+          <p:cNvPr id="14" name="Picture 13" descr="A map of the world&#10;&#10;Description automatically generated">
             <a:extLst>
               <a:ext uri="{FF2B5EF4-FFF2-40B4-BE49-F238E27FC236}">
-                <a16:creationId xmlns:a16="http://schemas.microsoft.com/office/drawing/2014/main" id="{7E2D75A3-0EC1-70A3-AA92-4ABD140A18BE}"/>
+                <a16:creationId xmlns:a16="http://schemas.microsoft.com/office/drawing/2014/main" id="{94CB9366-853C-9EC4-0D22-7AEB30A53063}"/>
               </a:ext>
             </a:extLst>
           </p:cNvPr>
@@ -8882,16 +8469,44 @@
           </p:cNvPicPr>
           <p:nvPr/>
         </p:nvPicPr>
-        <p:blipFill>
+        <p:blipFill rotWithShape="1">
           <a:blip r:embed="rId3"/>
-          <a:stretch>
-            <a:fillRect/>
-          </a:stretch>
+          <a:srcRect l="74362" r="14393"/>
+          <a:stretch/>
         </p:blipFill>
         <p:spPr>
           <a:xfrm>
-            <a:off x="2035629" y="1366156"/>
-            <a:ext cx="7772400" cy="3886200"/>
+            <a:off x="8267699" y="0"/>
+            <a:ext cx="867587" cy="5143500"/>
+          </a:xfrm>
+          <a:prstGeom prst="rect">
+            <a:avLst/>
+          </a:prstGeom>
+        </p:spPr>
+      </p:pic>
+      <p:pic>
+        <p:nvPicPr>
+          <p:cNvPr id="16" name="Picture 15" descr="A map of the world&#10;&#10;Description automatically generated">
+            <a:extLst>
+              <a:ext uri="{FF2B5EF4-FFF2-40B4-BE49-F238E27FC236}">
+                <a16:creationId xmlns:a16="http://schemas.microsoft.com/office/drawing/2014/main" id="{3CB2DCDC-E2AA-A239-F90F-28E8CC7C8908}"/>
+              </a:ext>
+            </a:extLst>
+          </p:cNvPr>
+          <p:cNvPicPr>
+            <a:picLocks noChangeAspect="1"/>
+          </p:cNvPicPr>
+          <p:nvPr/>
+        </p:nvPicPr>
+        <p:blipFill rotWithShape="1">
+          <a:blip r:embed="rId3"/>
+          <a:srcRect l="13457" t="27654" r="27613" b="28395"/>
+          <a:stretch/>
+        </p:blipFill>
+        <p:spPr>
+          <a:xfrm>
+            <a:off x="2438401" y="1124275"/>
+            <a:ext cx="6083300" cy="3024658"/>
           </a:xfrm>
           <a:prstGeom prst="rect">
             <a:avLst/>
@@ -8910,8 +8525,8 @@
         </p:nvSpPr>
         <p:spPr>
           <a:xfrm>
-            <a:off x="224615" y="1163360"/>
-            <a:ext cx="2551242" cy="3416400"/>
+            <a:off x="311700" y="1152475"/>
+            <a:ext cx="2520400" cy="3416400"/>
           </a:xfrm>
           <a:prstGeom prst="rect">
             <a:avLst/>
@@ -8933,181 +8548,67 @@
               <a:buNone/>
             </a:pPr>
             <a:r>
-              <a:rPr lang="en-US" sz="1400" dirty="0"/>
-              <a:t>For the most part the different clusters tend to capture somewhat different modes of how the fertility rates have been trending. Mostly differentiating the rate of change in fertility rates across different countries.</a:t>
+              <a:rPr lang="en-US" sz="1400" dirty="0">
+                <a:solidFill>
+                  <a:schemeClr val="bg2"/>
+                </a:solidFill>
+              </a:rPr>
+              <a:t>The map, though with a lot of countries missing, is still shows some geographical relationships that seem to make sense. For example, “Western countries” including parts of northern Europe, North America, Australia belong to the same cluster. Sub-Saharan countries also organize in their own clusters.</a:t>
             </a:r>
-            <a:endParaRPr sz="1400" dirty="0"/>
+          </a:p>
+          <a:p>
+            <a:pPr marL="0" lvl="0" indent="0" algn="l" rtl="0">
+              <a:spcBef>
+                <a:spcPts val="0"/>
+              </a:spcBef>
+              <a:spcAft>
+                <a:spcPts val="0"/>
+              </a:spcAft>
+              <a:buNone/>
+            </a:pPr>
+            <a:endParaRPr lang="en-US" sz="1400" dirty="0"/>
           </a:p>
         </p:txBody>
       </p:sp>
-    </p:spTree>
-    <p:extLst>
-      <p:ext uri="{BB962C8B-B14F-4D97-AF65-F5344CB8AC3E}">
-        <p14:creationId xmlns:p14="http://schemas.microsoft.com/office/powerpoint/2010/main" val="1946204794"/>
-      </p:ext>
-    </p:extLst>
-  </p:cSld>
-  <p:clrMapOvr>
-    <a:masterClrMapping/>
-  </p:clrMapOvr>
-</p:sld>
-</file>
-
-<file path=ppt/slides/slide15.xml><?xml version="1.0" encoding="utf-8"?>
-<p:sld xmlns:a="http://schemas.openxmlformats.org/drawingml/2006/main" xmlns:r="http://schemas.openxmlformats.org/officeDocument/2006/relationships" xmlns:p="http://schemas.openxmlformats.org/presentationml/2006/main">
-  <p:cSld>
-    <p:spTree>
-      <p:nvGrpSpPr>
-        <p:cNvPr id="1" name="Shape 78"/>
-        <p:cNvGrpSpPr/>
-        <p:nvPr/>
-      </p:nvGrpSpPr>
-      <p:grpSpPr>
-        <a:xfrm>
-          <a:off x="0" y="0"/>
-          <a:ext cx="0" cy="0"/>
-          <a:chOff x="0" y="0"/>
-          <a:chExt cx="0" cy="0"/>
-        </a:xfrm>
-      </p:grpSpPr>
       <p:sp>
         <p:nvSpPr>
-          <p:cNvPr id="79" name="Google Shape;79;p17"/>
-          <p:cNvSpPr txBox="1">
-            <a:spLocks noGrp="1"/>
-          </p:cNvSpPr>
-          <p:nvPr>
-            <p:ph type="title"/>
-          </p:nvPr>
-        </p:nvSpPr>
-        <p:spPr>
-          <a:xfrm>
-            <a:off x="311700" y="310275"/>
-            <a:ext cx="8520600" cy="572700"/>
-          </a:xfrm>
-          <a:prstGeom prst="rect">
-            <a:avLst/>
-          </a:prstGeom>
-        </p:spPr>
-        <p:txBody>
-          <a:bodyPr spcFirstLastPara="1" wrap="square" lIns="91425" tIns="91425" rIns="91425" bIns="91425" anchor="t" anchorCtr="0">
-            <a:noAutofit/>
-          </a:bodyPr>
-          <a:lstStyle/>
-          <a:p>
-            <a:pPr marL="0" lvl="0" indent="0" algn="l" rtl="0">
-              <a:spcBef>
-                <a:spcPts val="0"/>
-              </a:spcBef>
-              <a:spcAft>
-                <a:spcPts val="0"/>
-              </a:spcAft>
-              <a:buNone/>
-            </a:pPr>
-            <a:r>
-              <a:rPr lang="en" dirty="0"/>
-              <a:t>Findings (IV)</a:t>
-            </a:r>
-            <a:endParaRPr dirty="0"/>
-          </a:p>
-        </p:txBody>
-      </p:sp>
-      <p:pic>
-        <p:nvPicPr>
-          <p:cNvPr id="4" name="Picture 3" descr="A map of the world&#10;&#10;Description automatically generated">
+          <p:cNvPr id="18" name="TextBox 17">
             <a:extLst>
               <a:ext uri="{FF2B5EF4-FFF2-40B4-BE49-F238E27FC236}">
-                <a16:creationId xmlns:a16="http://schemas.microsoft.com/office/drawing/2014/main" id="{10BD6572-C3F8-CAB9-27A6-3A093C384F2D}"/>
+                <a16:creationId xmlns:a16="http://schemas.microsoft.com/office/drawing/2014/main" id="{79280E28-8063-B50C-FB78-69B8046BBAEC}"/>
               </a:ext>
             </a:extLst>
           </p:cNvPr>
-          <p:cNvPicPr>
-            <a:picLocks noChangeAspect="1"/>
-          </p:cNvPicPr>
+          <p:cNvSpPr txBox="1"/>
           <p:nvPr/>
-        </p:nvPicPr>
-        <p:blipFill>
-          <a:blip r:embed="rId3"/>
-          <a:stretch>
-            <a:fillRect/>
-          </a:stretch>
-        </p:blipFill>
-        <p:spPr>
-          <a:xfrm>
-            <a:off x="2630261" y="0"/>
-            <a:ext cx="7715250" cy="5143500"/>
+        </p:nvSpPr>
+        <p:spPr>
+          <a:xfrm>
+            <a:off x="3668725" y="4740930"/>
+            <a:ext cx="5466561" cy="523220"/>
           </a:xfrm>
           <a:prstGeom prst="rect">
             <a:avLst/>
           </a:prstGeom>
-        </p:spPr>
-      </p:pic>
-      <p:sp>
-        <p:nvSpPr>
-          <p:cNvPr id="80" name="Google Shape;80;p17"/>
-          <p:cNvSpPr txBox="1">
-            <a:spLocks noGrp="1"/>
-          </p:cNvSpPr>
-          <p:nvPr>
-            <p:ph type="body" idx="1"/>
-          </p:nvPr>
-        </p:nvSpPr>
-        <p:spPr>
-          <a:xfrm>
-            <a:off x="311700" y="1152475"/>
-            <a:ext cx="3106414" cy="3416400"/>
-          </a:xfrm>
-          <a:prstGeom prst="rect">
-            <a:avLst/>
-          </a:prstGeom>
+          <a:noFill/>
         </p:spPr>
         <p:txBody>
-          <a:bodyPr spcFirstLastPara="1" wrap="square" lIns="91425" tIns="91425" rIns="91425" bIns="91425" anchor="t" anchorCtr="0">
-            <a:noAutofit/>
+          <a:bodyPr wrap="none" rtlCol="0">
+            <a:spAutoFit/>
           </a:bodyPr>
           <a:lstStyle/>
           <a:p>
-            <a:pPr marL="0" lvl="0" indent="0" algn="l" rtl="0">
-              <a:spcBef>
-                <a:spcPts val="0"/>
-              </a:spcBef>
-              <a:spcAft>
-                <a:spcPts val="0"/>
-              </a:spcAft>
-              <a:buNone/>
-            </a:pPr>
             <a:r>
-              <a:rPr lang="en-US" sz="1400" dirty="0"/>
-              <a:t>Though we tend to consider GDP a strong predictor of fertility rate, there are other factors, probably more related to livelihood, cultural habits, education, health care access that influence fertility rates.</a:t>
+              <a:rPr lang="en-US" sz="1400" dirty="0">
+                <a:solidFill>
+                  <a:schemeClr val="bg2"/>
+                </a:solidFill>
+              </a:rPr>
+              <a:t>(Apologies, I couldn’t find a way to make the cluster legend better.)</a:t>
             </a:r>
           </a:p>
           <a:p>
-            <a:pPr marL="0" lvl="0" indent="0" algn="l" rtl="0">
-              <a:spcBef>
-                <a:spcPts val="0"/>
-              </a:spcBef>
-              <a:spcAft>
-                <a:spcPts val="0"/>
-              </a:spcAft>
-              <a:buNone/>
-            </a:pPr>
-            <a:endParaRPr lang="en-US" sz="1400" dirty="0"/>
-          </a:p>
-          <a:p>
-            <a:pPr marL="0" lvl="0" indent="0" algn="l" rtl="0">
-              <a:spcBef>
-                <a:spcPts val="0"/>
-              </a:spcBef>
-              <a:spcAft>
-                <a:spcPts val="0"/>
-              </a:spcAft>
-              <a:buNone/>
-            </a:pPr>
-            <a:r>
-              <a:rPr lang="en-US" sz="1400" dirty="0"/>
-              <a:t>In this toy exercise, I limited the question to rural populations (%) for the sake of having enough years/countries data.</a:t>
-            </a:r>
-            <a:endParaRPr sz="1400" dirty="0"/>
+            <a:endParaRPr lang="en-US" dirty="0"/>
           </a:p>
         </p:txBody>
       </p:sp>
@@ -9124,7 +8625,7 @@
 </p:sld>
 </file>
 
-<file path=ppt/slides/slide16.xml><?xml version="1.0" encoding="utf-8"?>
+<file path=ppt/slides/slide15.xml><?xml version="1.0" encoding="utf-8"?>
 <p:sld xmlns:a="http://schemas.openxmlformats.org/drawingml/2006/main" xmlns:r="http://schemas.openxmlformats.org/officeDocument/2006/relationships" xmlns:p="http://schemas.openxmlformats.org/presentationml/2006/main">
   <p:cSld>
     <p:spTree>
@@ -9195,8 +8696,8 @@
         </p:nvSpPr>
         <p:spPr>
           <a:xfrm>
-            <a:off x="311700" y="1152475"/>
-            <a:ext cx="8520600" cy="3416400"/>
+            <a:off x="311700" y="1152474"/>
+            <a:ext cx="8520600" cy="3825925"/>
           </a:xfrm>
           <a:prstGeom prst="rect">
             <a:avLst/>
@@ -9208,36 +8709,43 @@
           </a:bodyPr>
           <a:lstStyle/>
           <a:p>
-            <a:pPr marL="0" lvl="0" indent="0" algn="l" rtl="0">
-              <a:spcBef>
-                <a:spcPts val="0"/>
-              </a:spcBef>
-              <a:spcAft>
-                <a:spcPts val="0"/>
-              </a:spcAft>
+            <a:pPr marL="0" indent="0">
               <a:buNone/>
             </a:pPr>
             <a:r>
-              <a:rPr lang="en"/>
-              <a:t>If applicable, describe limitations to your findings.  For example, you might note that these results were true for British Premier league players but may not be applicable to other leagues because of differences in league structures.  </a:t>
+              <a:rPr lang="en-US" sz="1600" dirty="0"/>
+              <a:t>To start with I used only a subset of the data, both in time and included countries. This was somewhat out to my control; it was related to the dataset I used.</a:t>
             </a:r>
-            <a:endParaRPr/>
-          </a:p>
-          <a:p>
-            <a:pPr marL="0" lvl="0" indent="0" algn="l" rtl="0">
-              <a:spcBef>
-                <a:spcPts val="1600"/>
-              </a:spcBef>
-              <a:spcAft>
-                <a:spcPts val="1600"/>
-              </a:spcAft>
+          </a:p>
+          <a:p>
+            <a:pPr marL="0" indent="0">
+              <a:buNone/>
+            </a:pPr>
+            <a:endParaRPr lang="en-US" sz="1600" dirty="0"/>
+          </a:p>
+          <a:p>
+            <a:pPr marL="0" indent="0">
               <a:buNone/>
             </a:pPr>
             <a:r>
-              <a:rPr lang="en"/>
-              <a:t>Or you may note that your data has inherent limitations.  For example, you may not have access to the number of Twitter followers per users so you assumed all users are equally influential.  If you had the number of followers, you could weight the impact of their tweet’s sentiment by their influence (# of followers).</a:t>
+              <a:rPr lang="en-US" sz="1600" dirty="0"/>
+              <a:t>The multilinear regression, assumes a linear relationship between the considered indicators, and that does not have to the correct. Have a better understanding of the indicators and how the data was collected could have helped in using more complex relationships and a better explanation of the data.</a:t>
             </a:r>
-            <a:endParaRPr/>
+          </a:p>
+          <a:p>
+            <a:pPr marL="0" indent="0">
+              <a:buNone/>
+            </a:pPr>
+            <a:endParaRPr lang="en-US" sz="1600" dirty="0"/>
+          </a:p>
+          <a:p>
+            <a:pPr marL="0" indent="0">
+              <a:buNone/>
+            </a:pPr>
+            <a:r>
+              <a:rPr lang="en-US" sz="1600" dirty="0"/>
+              <a:t>Regarding the clustering, I tried a few things that didn’t generate stable clusters. My solution is stable, but probably not very generalizable. I tied it to ‘culture’ or ‘policies’ that would allow to ‘validate’ the clustering results.</a:t>
+            </a:r>
           </a:p>
         </p:txBody>
       </p:sp>
@@ -9249,7 +8757,7 @@
 </p:sld>
 </file>
 
-<file path=ppt/slides/slide17.xml><?xml version="1.0" encoding="utf-8"?>
+<file path=ppt/slides/slide16.xml><?xml version="1.0" encoding="utf-8"?>
 <p:sld xmlns:a="http://schemas.openxmlformats.org/drawingml/2006/main" xmlns:r="http://schemas.openxmlformats.org/officeDocument/2006/relationships" xmlns:p="http://schemas.openxmlformats.org/presentationml/2006/main">
   <p:cSld>
     <p:spTree>
@@ -9320,7 +8828,7 @@
         </p:nvSpPr>
         <p:spPr>
           <a:xfrm>
-            <a:off x="311700" y="1152475"/>
+            <a:off x="311700" y="988850"/>
             <a:ext cx="8520600" cy="3416400"/>
           </a:xfrm>
           <a:prstGeom prst="rect">
@@ -9333,6 +8841,18 @@
           </a:bodyPr>
           <a:lstStyle/>
           <a:p>
+            <a:pPr marL="0" indent="0">
+              <a:spcAft>
+                <a:spcPts val="1600"/>
+              </a:spcAft>
+              <a:buNone/>
+            </a:pPr>
+            <a:r>
+              <a:rPr lang="en-US" sz="1600" dirty="0"/>
+              <a:t>Fertility rate trends: from 1972 to 2012 fertility rates have been decreasing. The earlier data showed more of a bimodal distribution that with time has been diluting and converging to a unimodal distribution. This might be related to a more global transition from rural and agricultural societies to more industrialized and service-oriented societies where families decide to have less children. This is supported by the fact that rural population is a better predictor of fertility rates and GDP.</a:t>
+            </a:r>
+          </a:p>
+          <a:p>
             <a:pPr marL="0" lvl="0" indent="0" algn="l" rtl="0">
               <a:spcBef>
                 <a:spcPts val="0"/>
@@ -9343,10 +8863,24 @@
               <a:buNone/>
             </a:pPr>
             <a:r>
-              <a:rPr lang="en"/>
-              <a:t>Report your overall conclusions, preferably a conclusion per research question</a:t>
+              <a:rPr lang="en-US" sz="1600" dirty="0"/>
+              <a:t>When trying to understand how fertility rates compare across different countries one notices that there are adjacent countries that fall into similar clusters, or countries that have similar ‘societies’ (Western societies).</a:t>
             </a:r>
-            <a:endParaRPr/>
+          </a:p>
+          <a:p>
+            <a:pPr marL="0" lvl="0" indent="0" algn="l" rtl="0">
+              <a:spcBef>
+                <a:spcPts val="0"/>
+              </a:spcBef>
+              <a:spcAft>
+                <a:spcPts val="1600"/>
+              </a:spcAft>
+              <a:buNone/>
+            </a:pPr>
+            <a:r>
+              <a:rPr lang="en-US" sz="1600" dirty="0"/>
+              <a:t>Looking that this rich data and a few indicators, for a few years in a few countries one can already notice patterns that seem to differentiate so much of our global landscape. Moving forward it would be relevant to tie this work to policy changes and expand it to explore more indicators.</a:t>
+            </a:r>
           </a:p>
         </p:txBody>
       </p:sp>
@@ -9358,7 +8892,7 @@
 </p:sld>
 </file>
 
-<file path=ppt/slides/slide18.xml><?xml version="1.0" encoding="utf-8"?>
+<file path=ppt/slides/slide17.xml><?xml version="1.0" encoding="utf-8"?>
 <p:sld xmlns:a="http://schemas.openxmlformats.org/drawingml/2006/main" xmlns:r="http://schemas.openxmlformats.org/officeDocument/2006/relationships" xmlns:p="http://schemas.openxmlformats.org/presentationml/2006/main">
   <p:cSld>
     <p:spTree>
@@ -9466,7 +9000,7 @@
 </p:sld>
 </file>
 
-<file path=ppt/slides/slide19.xml><?xml version="1.0" encoding="utf-8"?>
+<file path=ppt/slides/slide18.xml><?xml version="1.0" encoding="utf-8"?>
 <p:sld xmlns:a="http://schemas.openxmlformats.org/drawingml/2006/main" xmlns:r="http://schemas.openxmlformats.org/officeDocument/2006/relationships" xmlns:p="http://schemas.openxmlformats.org/presentationml/2006/main">
   <p:cSld>
     <p:spTree>
@@ -9560,10 +9094,10 @@
               <a:buNone/>
             </a:pPr>
             <a:r>
-              <a:rPr lang="en"/>
-              <a:t>If applicable, report any references you used in your work.  For example, you may have used a research paper from X to help guide your analysis.  You should cite that work here. If you did all the work on your own, please state this.</a:t>
+              <a:rPr lang="en" dirty="0"/>
+              <a:t>I don’t have references to cite.</a:t>
             </a:r>
-            <a:endParaRPr/>
+            <a:endParaRPr dirty="0"/>
           </a:p>
         </p:txBody>
       </p:sp>
@@ -9688,7 +9222,7 @@
             </a:pPr>
             <a:r>
               <a:rPr lang="en-US" dirty="0"/>
-              <a:t>How have fertility rates evolved in the past decades and how can countries be clustered based on fertility rates?</a:t>
+              <a:t>How have fertility rates evolved in the past decades and how can countries be organized based on fertility rates?</a:t>
             </a:r>
           </a:p>
           <a:p>
@@ -9799,15 +9333,7 @@
             </a:pPr>
             <a:r>
               <a:rPr lang="en-US" dirty="0"/>
-              <a:t>The fertility rate in time seems to be bi-modal, applying clustering shows that there are multiple modes and those seem somewhat related to my ad-hoc understanding of fertility changes </a:t>
-            </a:r>
-            <a:r>
-              <a:rPr lang="en-US" dirty="0" err="1"/>
-              <a:t>globably</a:t>
-            </a:r>
-            <a:r>
-              <a:rPr lang="en-US" dirty="0"/>
-              <a:t>.</a:t>
+              <a:t>The fertility rate in time seems to be bi-modal, applying clustering shows that there are multiple modes and those seem somewhat related to my ad-hoc understanding of fertility changes globally.</a:t>
             </a:r>
           </a:p>
           <a:p>
@@ -10079,6 +9605,25 @@
             </a:r>
           </a:p>
           <a:p>
+            <a:pPr marL="596900" lvl="1" indent="0">
+              <a:lnSpc>
+                <a:spcPct val="100000"/>
+              </a:lnSpc>
+              <a:spcBef>
+                <a:spcPts val="0"/>
+              </a:spcBef>
+              <a:buNone/>
+            </a:pPr>
+            <a:r>
+              <a:rPr lang="en-US" i="1" dirty="0"/>
+              <a:t>“The World Development Indicators (WDI) is the primary World Bank collection of development indicators, compiled from officially-recognized international sources. It presents the most current and accurate global development data available, and includes national, regional and global estimates.” </a:t>
+            </a:r>
+            <a:r>
+              <a:rPr lang="en-US" dirty="0"/>
+              <a:t>– From the World Bank website.</a:t>
+            </a:r>
+          </a:p>
+          <a:p>
             <a:pPr marL="457200" lvl="0" indent="-342900" algn="l" rtl="0">
               <a:spcBef>
                 <a:spcPts val="0"/>
@@ -10643,7 +10188,7 @@
   <p:cSld>
     <p:spTree>
       <p:nvGrpSpPr>
-        <p:cNvPr id="1" name="Shape 96"/>
+        <p:cNvPr id="1" name="Shape 78"/>
         <p:cNvGrpSpPr/>
         <p:nvPr/>
       </p:nvGrpSpPr>
@@ -10657,7 +10202,7 @@
       </p:grpSpPr>
       <p:sp>
         <p:nvSpPr>
-          <p:cNvPr id="97" name="Google Shape;97;p20"/>
+          <p:cNvPr id="79" name="Google Shape;79;p17"/>
           <p:cNvSpPr txBox="1">
             <a:spLocks noGrp="1"/>
           </p:cNvSpPr>
@@ -10691,7 +10236,7 @@
             </a:pPr>
             <a:r>
               <a:rPr lang="en" dirty="0"/>
-              <a:t>Findings</a:t>
+              <a:t>Findings (I)</a:t>
             </a:r>
             <a:endParaRPr dirty="0"/>
           </a:p>
@@ -10699,7 +10244,7 @@
       </p:sp>
       <p:sp>
         <p:nvSpPr>
-          <p:cNvPr id="98" name="Google Shape;98;p20"/>
+          <p:cNvPr id="80" name="Google Shape;80;p17"/>
           <p:cNvSpPr txBox="1">
             <a:spLocks noGrp="1"/>
           </p:cNvSpPr>
@@ -10709,8 +10254,8 @@
         </p:nvSpPr>
         <p:spPr>
           <a:xfrm>
-            <a:off x="311700" y="1152475"/>
-            <a:ext cx="8520600" cy="3416400"/>
+            <a:off x="311700" y="950350"/>
+            <a:ext cx="4260300" cy="3848150"/>
           </a:xfrm>
           <a:prstGeom prst="rect">
             <a:avLst/>
@@ -10727,52 +10272,49 @@
                 <a:spcPts val="0"/>
               </a:spcBef>
               <a:spcAft>
-                <a:spcPts val="0"/>
+                <a:spcPts val="1600"/>
               </a:spcAft>
               <a:buNone/>
             </a:pPr>
             <a:r>
-              <a:rPr lang="en">
-                <a:highlight>
-                  <a:srgbClr val="FFFF00"/>
-                </a:highlight>
-              </a:rPr>
-              <a:t>&lt;Feel free to replicate this slide to show multiple findings&gt;</a:t>
+              <a:rPr lang="en-US" sz="1400" dirty="0"/>
+              <a:t>Observable correlations: </a:t>
             </a:r>
-            <a:endParaRPr>
-              <a:highlight>
-                <a:srgbClr val="FFFF00"/>
-              </a:highlight>
-            </a:endParaRPr>
           </a:p>
           <a:p>
             <a:pPr marL="0" lvl="0" indent="0" algn="l" rtl="0">
               <a:spcBef>
+                <a:spcPts val="0"/>
+              </a:spcBef>
+              <a:spcAft>
                 <a:spcPts val="1600"/>
-              </a:spcBef>
-              <a:spcAft>
-                <a:spcPts val="0"/>
               </a:spcAft>
               <a:buNone/>
             </a:pPr>
             <a:r>
-              <a:rPr lang="en">
-                <a:highlight>
-                  <a:srgbClr val="FFFF00"/>
-                </a:highlight>
-              </a:rPr>
-              <a:t>Present your findings.  Include at least one visualization in your presentation (feel free to include more). The visualization should be honest, accessible, and elegant for a general audience.</a:t>
+              <a:rPr lang="en-US" sz="1400" dirty="0"/>
+              <a:t>Fertility rate: decrease of fertility in time, decrease of fertility with increase in GDPs, increased in fertility for more rural populations, and decrease in fertility with increase is energy use.</a:t>
             </a:r>
-            <a:endParaRPr>
-              <a:highlight>
-                <a:srgbClr val="FFFF00"/>
-              </a:highlight>
-            </a:endParaRPr>
           </a:p>
           <a:p>
             <a:pPr marL="0" lvl="0" indent="0" algn="l" rtl="0">
               <a:spcBef>
+                <a:spcPts val="0"/>
+              </a:spcBef>
+              <a:spcAft>
                 <a:spcPts val="1600"/>
+              </a:spcAft>
+              <a:buNone/>
+            </a:pPr>
+            <a:r>
+              <a:rPr lang="en-US" sz="1400" dirty="0"/>
+              <a:t>GDP per capita: increase in GDP with increased energy use, increase of GDP in time (note: not inflation adjusted), decrease of GPD with increase of rural population</a:t>
+            </a:r>
+          </a:p>
+          <a:p>
+            <a:pPr marL="0" lvl="0" indent="0" algn="l" rtl="0">
+              <a:spcBef>
+                <a:spcPts val="0"/>
               </a:spcBef>
               <a:spcAft>
                 <a:spcPts val="1600"/>
@@ -10780,21 +10322,57 @@
               <a:buNone/>
             </a:pPr>
             <a:r>
-              <a:rPr lang="en">
-                <a:highlight>
-                  <a:srgbClr val="FFFF00"/>
-                </a:highlight>
-              </a:rPr>
-              <a:t>You need not come to a definitive conclusion, but you need to say how your findings relate back to your research question.</a:t>
+              <a:rPr lang="en-US" sz="1400" dirty="0"/>
+              <a:t>Rural: decrease in rural population with increase in energy use, and with time</a:t>
             </a:r>
-            <a:endParaRPr>
-              <a:highlight>
-                <a:srgbClr val="FFFF00"/>
-              </a:highlight>
-            </a:endParaRPr>
+          </a:p>
+          <a:p>
+            <a:pPr marL="0" lvl="0" indent="0" algn="l" rtl="0">
+              <a:spcBef>
+                <a:spcPts val="0"/>
+              </a:spcBef>
+              <a:spcAft>
+                <a:spcPts val="1600"/>
+              </a:spcAft>
+              <a:buNone/>
+            </a:pPr>
+            <a:r>
+              <a:rPr lang="en-US" sz="1400" dirty="0"/>
+              <a:t>Energy: slight increase in energy use with time</a:t>
+            </a:r>
           </a:p>
         </p:txBody>
       </p:sp>
+      <p:pic>
+        <p:nvPicPr>
+          <p:cNvPr id="2" name="Picture 1" descr="A screenshot of a computer&#10;&#10;Description automatically generated">
+            <a:extLst>
+              <a:ext uri="{FF2B5EF4-FFF2-40B4-BE49-F238E27FC236}">
+                <a16:creationId xmlns:a16="http://schemas.microsoft.com/office/drawing/2014/main" id="{23A217A5-7FFE-8AE0-8B15-FD69CF1856BE}"/>
+              </a:ext>
+            </a:extLst>
+          </p:cNvPr>
+          <p:cNvPicPr>
+            <a:picLocks noChangeAspect="1"/>
+          </p:cNvPicPr>
+          <p:nvPr/>
+        </p:nvPicPr>
+        <p:blipFill>
+          <a:blip r:embed="rId3"/>
+          <a:stretch>
+            <a:fillRect/>
+          </a:stretch>
+        </p:blipFill>
+        <p:spPr>
+          <a:xfrm>
+            <a:off x="3962400" y="394385"/>
+            <a:ext cx="5900737" cy="4720590"/>
+          </a:xfrm>
+          <a:prstGeom prst="rect">
+            <a:avLst/>
+          </a:prstGeom>
+        </p:spPr>
+      </p:pic>
     </p:spTree>
   </p:cSld>
   <p:clrMapOvr>
@@ -10822,6 +10400,296 @@
       </p:grpSpPr>
       <p:sp>
         <p:nvSpPr>
+          <p:cNvPr id="13" name="Google Shape;80;p17">
+            <a:extLst>
+              <a:ext uri="{FF2B5EF4-FFF2-40B4-BE49-F238E27FC236}">
+                <a16:creationId xmlns:a16="http://schemas.microsoft.com/office/drawing/2014/main" id="{8E05359C-ED21-248B-5EDC-D208591E7F32}"/>
+              </a:ext>
+            </a:extLst>
+          </p:cNvPr>
+          <p:cNvSpPr txBox="1">
+            <a:spLocks/>
+          </p:cNvSpPr>
+          <p:nvPr/>
+        </p:nvSpPr>
+        <p:spPr>
+          <a:xfrm>
+            <a:off x="6600620" y="2257425"/>
+            <a:ext cx="2441230" cy="2759125"/>
+          </a:xfrm>
+          <a:prstGeom prst="rect">
+            <a:avLst/>
+          </a:prstGeom>
+          <a:noFill/>
+          <a:ln>
+            <a:noFill/>
+          </a:ln>
+        </p:spPr>
+        <p:txBody>
+          <a:bodyPr spcFirstLastPara="1" wrap="square" lIns="91425" tIns="91425" rIns="91425" bIns="91425" anchor="t" anchorCtr="0">
+            <a:noAutofit/>
+          </a:bodyPr>
+          <a:lstStyle>
+            <a:defPPr marR="0" lvl="0" algn="l" rtl="0">
+              <a:lnSpc>
+                <a:spcPct val="100000"/>
+              </a:lnSpc>
+              <a:spcBef>
+                <a:spcPts val="0"/>
+              </a:spcBef>
+              <a:spcAft>
+                <a:spcPts val="0"/>
+              </a:spcAft>
+            </a:defPPr>
+            <a:lvl1pPr marL="457200" marR="0" lvl="0" indent="-342900" algn="l" rtl="0">
+              <a:lnSpc>
+                <a:spcPct val="115000"/>
+              </a:lnSpc>
+              <a:spcBef>
+                <a:spcPts val="0"/>
+              </a:spcBef>
+              <a:spcAft>
+                <a:spcPts val="0"/>
+              </a:spcAft>
+              <a:buClr>
+                <a:schemeClr val="dk2"/>
+              </a:buClr>
+              <a:buSzPts val="1800"/>
+              <a:buFont typeface="Arial"/>
+              <a:buChar char="●"/>
+              <a:defRPr sz="1800" b="0" i="0" u="none" strike="noStrike" cap="none">
+                <a:solidFill>
+                  <a:schemeClr val="dk2"/>
+                </a:solidFill>
+                <a:latin typeface="Arial"/>
+                <a:ea typeface="Arial"/>
+                <a:cs typeface="Arial"/>
+                <a:sym typeface="Arial"/>
+              </a:defRPr>
+            </a:lvl1pPr>
+            <a:lvl2pPr marL="914400" marR="0" lvl="1" indent="-317500" algn="l" rtl="0">
+              <a:lnSpc>
+                <a:spcPct val="115000"/>
+              </a:lnSpc>
+              <a:spcBef>
+                <a:spcPts val="1600"/>
+              </a:spcBef>
+              <a:spcAft>
+                <a:spcPts val="0"/>
+              </a:spcAft>
+              <a:buClr>
+                <a:schemeClr val="dk2"/>
+              </a:buClr>
+              <a:buSzPts val="1400"/>
+              <a:buFont typeface="Arial"/>
+              <a:buChar char="○"/>
+              <a:defRPr sz="1400" b="0" i="0" u="none" strike="noStrike" cap="none">
+                <a:solidFill>
+                  <a:schemeClr val="dk2"/>
+                </a:solidFill>
+                <a:latin typeface="Arial"/>
+                <a:ea typeface="Arial"/>
+                <a:cs typeface="Arial"/>
+                <a:sym typeface="Arial"/>
+              </a:defRPr>
+            </a:lvl2pPr>
+            <a:lvl3pPr marL="1371600" marR="0" lvl="2" indent="-317500" algn="l" rtl="0">
+              <a:lnSpc>
+                <a:spcPct val="115000"/>
+              </a:lnSpc>
+              <a:spcBef>
+                <a:spcPts val="1600"/>
+              </a:spcBef>
+              <a:spcAft>
+                <a:spcPts val="0"/>
+              </a:spcAft>
+              <a:buClr>
+                <a:schemeClr val="dk2"/>
+              </a:buClr>
+              <a:buSzPts val="1400"/>
+              <a:buFont typeface="Arial"/>
+              <a:buChar char="■"/>
+              <a:defRPr sz="1400" b="0" i="0" u="none" strike="noStrike" cap="none">
+                <a:solidFill>
+                  <a:schemeClr val="dk2"/>
+                </a:solidFill>
+                <a:latin typeface="Arial"/>
+                <a:ea typeface="Arial"/>
+                <a:cs typeface="Arial"/>
+                <a:sym typeface="Arial"/>
+              </a:defRPr>
+            </a:lvl3pPr>
+            <a:lvl4pPr marL="1828800" marR="0" lvl="3" indent="-317500" algn="l" rtl="0">
+              <a:lnSpc>
+                <a:spcPct val="115000"/>
+              </a:lnSpc>
+              <a:spcBef>
+                <a:spcPts val="1600"/>
+              </a:spcBef>
+              <a:spcAft>
+                <a:spcPts val="0"/>
+              </a:spcAft>
+              <a:buClr>
+                <a:schemeClr val="dk2"/>
+              </a:buClr>
+              <a:buSzPts val="1400"/>
+              <a:buFont typeface="Arial"/>
+              <a:buChar char="●"/>
+              <a:defRPr sz="1400" b="0" i="0" u="none" strike="noStrike" cap="none">
+                <a:solidFill>
+                  <a:schemeClr val="dk2"/>
+                </a:solidFill>
+                <a:latin typeface="Arial"/>
+                <a:ea typeface="Arial"/>
+                <a:cs typeface="Arial"/>
+                <a:sym typeface="Arial"/>
+              </a:defRPr>
+            </a:lvl4pPr>
+            <a:lvl5pPr marL="2286000" marR="0" lvl="4" indent="-317500" algn="l" rtl="0">
+              <a:lnSpc>
+                <a:spcPct val="115000"/>
+              </a:lnSpc>
+              <a:spcBef>
+                <a:spcPts val="1600"/>
+              </a:spcBef>
+              <a:spcAft>
+                <a:spcPts val="0"/>
+              </a:spcAft>
+              <a:buClr>
+                <a:schemeClr val="dk2"/>
+              </a:buClr>
+              <a:buSzPts val="1400"/>
+              <a:buFont typeface="Arial"/>
+              <a:buChar char="○"/>
+              <a:defRPr sz="1400" b="0" i="0" u="none" strike="noStrike" cap="none">
+                <a:solidFill>
+                  <a:schemeClr val="dk2"/>
+                </a:solidFill>
+                <a:latin typeface="Arial"/>
+                <a:ea typeface="Arial"/>
+                <a:cs typeface="Arial"/>
+                <a:sym typeface="Arial"/>
+              </a:defRPr>
+            </a:lvl5pPr>
+            <a:lvl6pPr marL="2743200" marR="0" lvl="5" indent="-317500" algn="l" rtl="0">
+              <a:lnSpc>
+                <a:spcPct val="115000"/>
+              </a:lnSpc>
+              <a:spcBef>
+                <a:spcPts val="1600"/>
+              </a:spcBef>
+              <a:spcAft>
+                <a:spcPts val="0"/>
+              </a:spcAft>
+              <a:buClr>
+                <a:schemeClr val="dk2"/>
+              </a:buClr>
+              <a:buSzPts val="1400"/>
+              <a:buFont typeface="Arial"/>
+              <a:buChar char="■"/>
+              <a:defRPr sz="1400" b="0" i="0" u="none" strike="noStrike" cap="none">
+                <a:solidFill>
+                  <a:schemeClr val="dk2"/>
+                </a:solidFill>
+                <a:latin typeface="Arial"/>
+                <a:ea typeface="Arial"/>
+                <a:cs typeface="Arial"/>
+                <a:sym typeface="Arial"/>
+              </a:defRPr>
+            </a:lvl6pPr>
+            <a:lvl7pPr marL="3200400" marR="0" lvl="6" indent="-317500" algn="l" rtl="0">
+              <a:lnSpc>
+                <a:spcPct val="115000"/>
+              </a:lnSpc>
+              <a:spcBef>
+                <a:spcPts val="1600"/>
+              </a:spcBef>
+              <a:spcAft>
+                <a:spcPts val="0"/>
+              </a:spcAft>
+              <a:buClr>
+                <a:schemeClr val="dk2"/>
+              </a:buClr>
+              <a:buSzPts val="1400"/>
+              <a:buFont typeface="Arial"/>
+              <a:buChar char="●"/>
+              <a:defRPr sz="1400" b="0" i="0" u="none" strike="noStrike" cap="none">
+                <a:solidFill>
+                  <a:schemeClr val="dk2"/>
+                </a:solidFill>
+                <a:latin typeface="Arial"/>
+                <a:ea typeface="Arial"/>
+                <a:cs typeface="Arial"/>
+                <a:sym typeface="Arial"/>
+              </a:defRPr>
+            </a:lvl7pPr>
+            <a:lvl8pPr marL="3657600" marR="0" lvl="7" indent="-317500" algn="l" rtl="0">
+              <a:lnSpc>
+                <a:spcPct val="115000"/>
+              </a:lnSpc>
+              <a:spcBef>
+                <a:spcPts val="1600"/>
+              </a:spcBef>
+              <a:spcAft>
+                <a:spcPts val="0"/>
+              </a:spcAft>
+              <a:buClr>
+                <a:schemeClr val="dk2"/>
+              </a:buClr>
+              <a:buSzPts val="1400"/>
+              <a:buFont typeface="Arial"/>
+              <a:buChar char="○"/>
+              <a:defRPr sz="1400" b="0" i="0" u="none" strike="noStrike" cap="none">
+                <a:solidFill>
+                  <a:schemeClr val="dk2"/>
+                </a:solidFill>
+                <a:latin typeface="Arial"/>
+                <a:ea typeface="Arial"/>
+                <a:cs typeface="Arial"/>
+                <a:sym typeface="Arial"/>
+              </a:defRPr>
+            </a:lvl8pPr>
+            <a:lvl9pPr marL="4114800" marR="0" lvl="8" indent="-317500" algn="l" rtl="0">
+              <a:lnSpc>
+                <a:spcPct val="115000"/>
+              </a:lnSpc>
+              <a:spcBef>
+                <a:spcPts val="1600"/>
+              </a:spcBef>
+              <a:spcAft>
+                <a:spcPts val="1600"/>
+              </a:spcAft>
+              <a:buClr>
+                <a:schemeClr val="dk2"/>
+              </a:buClr>
+              <a:buSzPts val="1400"/>
+              <a:buFont typeface="Arial"/>
+              <a:buChar char="■"/>
+              <a:defRPr sz="1400" b="0" i="0" u="none" strike="noStrike" cap="none">
+                <a:solidFill>
+                  <a:schemeClr val="dk2"/>
+                </a:solidFill>
+                <a:latin typeface="Arial"/>
+                <a:ea typeface="Arial"/>
+                <a:cs typeface="Arial"/>
+                <a:sym typeface="Arial"/>
+              </a:defRPr>
+            </a:lvl9pPr>
+          </a:lstStyle>
+          <a:p>
+            <a:pPr marL="0" indent="0">
+              <a:buFont typeface="Arial"/>
+              <a:buNone/>
+            </a:pPr>
+            <a:r>
+              <a:rPr lang="en-US" sz="1400" dirty="0"/>
+              <a:t>The proportion of rural population is the strongest predictor of fertility rate (not GDP)</a:t>
+            </a:r>
+          </a:p>
+        </p:txBody>
+      </p:sp>
+      <p:sp>
+        <p:nvSpPr>
           <p:cNvPr id="79" name="Google Shape;79;p17"/>
           <p:cNvSpPr txBox="1">
             <a:spLocks noGrp="1"/>
@@ -10856,7 +10724,7 @@
             </a:pPr>
             <a:r>
               <a:rPr lang="en" dirty="0"/>
-              <a:t>Findings (I)</a:t>
+              <a:t>Findings (II)</a:t>
             </a:r>
             <a:endParaRPr dirty="0"/>
           </a:p>
@@ -10874,8 +10742,8 @@
         </p:nvSpPr>
         <p:spPr>
           <a:xfrm>
-            <a:off x="311700" y="950350"/>
-            <a:ext cx="4260300" cy="3848150"/>
+            <a:off x="311700" y="1152475"/>
+            <a:ext cx="8520600" cy="3416400"/>
           </a:xfrm>
           <a:prstGeom prst="rect">
             <a:avLst/>
@@ -10892,13 +10760,13 @@
                 <a:spcPts val="0"/>
               </a:spcBef>
               <a:spcAft>
-                <a:spcPts val="1600"/>
+                <a:spcPts val="0"/>
               </a:spcAft>
               <a:buNone/>
             </a:pPr>
             <a:r>
               <a:rPr lang="en-US" sz="1400" dirty="0"/>
-              <a:t>Observable correlations: </a:t>
+              <a:t>The first interesting observation is that in 1972 the world (in terms of fertility rates) seem to have two gears, a cluster around 2.5 and another around 6 and in 2012 there is mostly a single group around 2.</a:t>
             </a:r>
           </a:p>
           <a:p>
@@ -10907,68 +10775,36 @@
                 <a:spcPts val="0"/>
               </a:spcBef>
               <a:spcAft>
-                <a:spcPts val="1600"/>
+                <a:spcPts val="0"/>
+              </a:spcAft>
+              <a:buNone/>
+            </a:pPr>
+            <a:endParaRPr lang="en-US" sz="800" dirty="0"/>
+          </a:p>
+          <a:p>
+            <a:pPr marL="0" lvl="0" indent="0" algn="l" rtl="0">
+              <a:spcBef>
+                <a:spcPts val="0"/>
+              </a:spcBef>
+              <a:spcAft>
+                <a:spcPts val="0"/>
               </a:spcAft>
               <a:buNone/>
             </a:pPr>
             <a:r>
               <a:rPr lang="en-US" sz="1400" dirty="0"/>
-              <a:t>Fertility rate: decrease of fertility in time, decrease of fertility with increase in GDPs, increased in fertility for more rural populations, and decrease in fertility with increase is energy use.</a:t>
+              <a:t>Around 40% of the variability in the data can be explained by this model (R-squared ~0.4)</a:t>
             </a:r>
-          </a:p>
-          <a:p>
-            <a:pPr marL="0" lvl="0" indent="0" algn="l" rtl="0">
-              <a:spcBef>
-                <a:spcPts val="0"/>
-              </a:spcBef>
-              <a:spcAft>
-                <a:spcPts val="1600"/>
-              </a:spcAft>
-              <a:buNone/>
-            </a:pPr>
-            <a:r>
-              <a:rPr lang="en-US" sz="1400" dirty="0"/>
-              <a:t>GDP per capita: increase in GDP with increased energy use, increase of GDP in time (note: not inflation adjusted), decrease of GPD with increase of rural population</a:t>
-            </a:r>
-          </a:p>
-          <a:p>
-            <a:pPr marL="0" lvl="0" indent="0" algn="l" rtl="0">
-              <a:spcBef>
-                <a:spcPts val="0"/>
-              </a:spcBef>
-              <a:spcAft>
-                <a:spcPts val="1600"/>
-              </a:spcAft>
-              <a:buNone/>
-            </a:pPr>
-            <a:r>
-              <a:rPr lang="en-US" sz="1400" dirty="0"/>
-              <a:t>Rural: decrease in rural population with increase in energy use, and with time</a:t>
-            </a:r>
-          </a:p>
-          <a:p>
-            <a:pPr marL="0" lvl="0" indent="0" algn="l" rtl="0">
-              <a:spcBef>
-                <a:spcPts val="0"/>
-              </a:spcBef>
-              <a:spcAft>
-                <a:spcPts val="1600"/>
-              </a:spcAft>
-              <a:buNone/>
-            </a:pPr>
-            <a:r>
-              <a:rPr lang="en-US" sz="1400" dirty="0"/>
-              <a:t>Energy: slight increase in energy use with time</a:t>
-            </a:r>
+            <a:endParaRPr sz="1400" dirty="0"/>
           </a:p>
         </p:txBody>
       </p:sp>
       <p:pic>
         <p:nvPicPr>
-          <p:cNvPr id="2" name="Picture 1" descr="A screenshot of a computer&#10;&#10;Description automatically generated">
+          <p:cNvPr id="3" name="Picture 2" descr="A graph of a graph&#10;&#10;Description automatically generated with medium confidence">
             <a:extLst>
               <a:ext uri="{FF2B5EF4-FFF2-40B4-BE49-F238E27FC236}">
-                <a16:creationId xmlns:a16="http://schemas.microsoft.com/office/drawing/2014/main" id="{23A217A5-7FFE-8AE0-8B15-FD69CF1856BE}"/>
+                <a16:creationId xmlns:a16="http://schemas.microsoft.com/office/drawing/2014/main" id="{E1968915-9E76-AD89-FC1B-2AE530DF78C8}"/>
               </a:ext>
             </a:extLst>
           </p:cNvPr>
@@ -10985,8 +10821,38 @@
         </p:blipFill>
         <p:spPr>
           <a:xfrm>
-            <a:off x="3962400" y="394385"/>
-            <a:ext cx="5900737" cy="4720590"/>
+            <a:off x="-571500" y="2037190"/>
+            <a:ext cx="7772400" cy="3108960"/>
+          </a:xfrm>
+          <a:prstGeom prst="rect">
+            <a:avLst/>
+          </a:prstGeom>
+        </p:spPr>
+      </p:pic>
+      <p:pic>
+        <p:nvPicPr>
+          <p:cNvPr id="12" name="Picture 11" descr="A close-up of a receipt&#10;&#10;Description automatically generated">
+            <a:extLst>
+              <a:ext uri="{FF2B5EF4-FFF2-40B4-BE49-F238E27FC236}">
+                <a16:creationId xmlns:a16="http://schemas.microsoft.com/office/drawing/2014/main" id="{D0F8E12D-14FC-A287-9DDB-BE8453754903}"/>
+              </a:ext>
+            </a:extLst>
+          </p:cNvPr>
+          <p:cNvPicPr>
+            <a:picLocks noChangeAspect="1"/>
+          </p:cNvPicPr>
+          <p:nvPr/>
+        </p:nvPicPr>
+        <p:blipFill>
+          <a:blip r:embed="rId4"/>
+          <a:stretch>
+            <a:fillRect/>
+          </a:stretch>
+        </p:blipFill>
+        <p:spPr>
+          <a:xfrm>
+            <a:off x="6613870" y="3524249"/>
+            <a:ext cx="2441229" cy="1334275"/>
           </a:xfrm>
           <a:prstGeom prst="rect">
             <a:avLst/>
@@ -10994,6 +10860,11 @@
         </p:spPr>
       </p:pic>
     </p:spTree>
+    <p:extLst>
+      <p:ext uri="{BB962C8B-B14F-4D97-AF65-F5344CB8AC3E}">
+        <p14:creationId xmlns:p14="http://schemas.microsoft.com/office/powerpoint/2010/main" val="3722126858"/>
+      </p:ext>
+    </p:extLst>
   </p:cSld>
   <p:clrMapOvr>
     <a:masterClrMapping/>
